--- a/PPT/Angular04-SimpleComponents.pptx
+++ b/PPT/Angular04-SimpleComponents.pptx
@@ -5,28 +5,23 @@
     <p:sldMasterId id="2147483653" r:id="rId1"/>
   </p:sldMasterIdLst>
   <p:notesMasterIdLst>
-    <p:notesMasterId r:id="rId18"/>
+    <p:notesMasterId r:id="rId13"/>
   </p:notesMasterIdLst>
   <p:handoutMasterIdLst>
-    <p:handoutMasterId r:id="rId19"/>
+    <p:handoutMasterId r:id="rId14"/>
   </p:handoutMasterIdLst>
   <p:sldIdLst>
     <p:sldId id="264" r:id="rId2"/>
     <p:sldId id="330" r:id="rId3"/>
     <p:sldId id="338" r:id="rId4"/>
     <p:sldId id="339" r:id="rId5"/>
-    <p:sldId id="316" r:id="rId6"/>
-    <p:sldId id="317" r:id="rId7"/>
-    <p:sldId id="337" r:id="rId8"/>
-    <p:sldId id="318" r:id="rId9"/>
-    <p:sldId id="320" r:id="rId10"/>
-    <p:sldId id="325" r:id="rId11"/>
-    <p:sldId id="331" r:id="rId12"/>
-    <p:sldId id="332" r:id="rId13"/>
-    <p:sldId id="333" r:id="rId14"/>
-    <p:sldId id="334" r:id="rId15"/>
-    <p:sldId id="335" r:id="rId16"/>
-    <p:sldId id="336" r:id="rId17"/>
+    <p:sldId id="337" r:id="rId6"/>
+    <p:sldId id="331" r:id="rId7"/>
+    <p:sldId id="332" r:id="rId8"/>
+    <p:sldId id="333" r:id="rId9"/>
+    <p:sldId id="334" r:id="rId10"/>
+    <p:sldId id="335" r:id="rId11"/>
+    <p:sldId id="336" r:id="rId12"/>
   </p:sldIdLst>
   <p:sldSz cx="9144000" cy="6858000" type="screen4x3"/>
   <p:notesSz cx="6648450" cy="9782175"/>
@@ -3988,7 +3983,7 @@
           <a:p>
             <a:r>
               <a:rPr lang="fr-FR" dirty="0" smtClean="0"/>
-              <a:t>Interpolation</a:t>
+              <a:t>Les classes TS</a:t>
             </a:r>
             <a:endParaRPr lang="fr-FR" dirty="0"/>
           </a:p>
@@ -4011,29 +4006,76 @@
           <a:p>
             <a:r>
               <a:rPr lang="fr-FR" dirty="0" smtClean="0"/>
-              <a:t>Les vues ne peuvent dialoguer qu’avec des propriétés de composant</a:t>
-            </a:r>
+              <a:t>Création d’une classe simple TS</a:t>
+            </a:r>
+            <a:endParaRPr lang="fr-FR" dirty="0"/>
           </a:p>
           <a:p>
             <a:r>
               <a:rPr lang="fr-FR" dirty="0" smtClean="0"/>
-              <a:t>Pour afficher une propriété de composant</a:t>
+              <a:t>Directement lise dans </a:t>
+            </a:r>
+            <a:r>
+              <a:rPr lang="fr-FR" dirty="0" err="1" smtClean="0"/>
+              <a:t>app</a:t>
+            </a:r>
+            <a:r>
+              <a:rPr lang="fr-FR" dirty="0" smtClean="0"/>
+              <a:t> pour être réutilisée dans tous les composants</a:t>
+            </a:r>
+          </a:p>
+          <a:p>
+            <a:endParaRPr lang="fr-FR" dirty="0"/>
+          </a:p>
+          <a:p>
+            <a:endParaRPr lang="fr-FR" dirty="0" smtClean="0"/>
+          </a:p>
+          <a:p>
+            <a:endParaRPr lang="fr-FR" dirty="0"/>
+          </a:p>
+          <a:p>
+            <a:endParaRPr lang="fr-FR" dirty="0" smtClean="0"/>
+          </a:p>
+          <a:p>
+            <a:r>
+              <a:rPr lang="fr-FR" dirty="0" smtClean="0"/>
+              <a:t>L’import</a:t>
             </a:r>
           </a:p>
           <a:p>
             <a:pPr lvl="1"/>
             <a:r>
               <a:rPr lang="fr-FR" dirty="0" smtClean="0"/>
-              <a:t>Interpolation</a:t>
-            </a:r>
-          </a:p>
-          <a:p>
-            <a:pPr lvl="1"/>
-            <a:r>
-              <a:rPr lang="fr-FR" dirty="0" smtClean="0"/>
-              <a:t>{{ }}</a:t>
-            </a:r>
-            <a:endParaRPr lang="fr-FR" dirty="0"/>
+              <a:t>Import </a:t>
+            </a:r>
+            <a:r>
+              <a:rPr lang="fr-FR" dirty="0"/>
+              <a:t>{ </a:t>
+            </a:r>
+            <a:r>
+              <a:rPr lang="fr-FR" dirty="0" err="1"/>
+              <a:t>Hero</a:t>
+            </a:r>
+            <a:r>
+              <a:rPr lang="fr-FR" dirty="0"/>
+              <a:t> } </a:t>
+            </a:r>
+            <a:r>
+              <a:rPr lang="fr-FR" dirty="0" err="1"/>
+              <a:t>from</a:t>
+            </a:r>
+            <a:r>
+              <a:rPr lang="fr-FR" dirty="0"/>
+              <a:t> '../</a:t>
+            </a:r>
+            <a:r>
+              <a:rPr lang="fr-FR" dirty="0" err="1"/>
+              <a:t>hero</a:t>
+            </a:r>
+            <a:r>
+              <a:rPr lang="fr-FR" dirty="0"/>
+              <a:t>';</a:t>
+            </a:r>
           </a:p>
         </p:txBody>
       </p:sp>
@@ -4053,8 +4095,8 @@
         </p:blipFill>
         <p:spPr>
           <a:xfrm>
-            <a:off x="2195736" y="3212977"/>
-            <a:ext cx="5802635" cy="3248970"/>
+            <a:off x="3131840" y="3068960"/>
+            <a:ext cx="2408950" cy="1967309"/>
           </a:xfrm>
           <a:prstGeom prst="rect">
             <a:avLst/>
@@ -4064,13 +4106,20 @@
     </p:spTree>
     <p:extLst>
       <p:ext uri="{BB962C8B-B14F-4D97-AF65-F5344CB8AC3E}">
-        <p14:creationId xmlns:p14="http://schemas.microsoft.com/office/powerpoint/2010/main" val="2131925832"/>
+        <p14:creationId xmlns:p14="http://schemas.microsoft.com/office/powerpoint/2010/main" val="585294245"/>
       </p:ext>
     </p:extLst>
   </p:cSld>
   <p:clrMapOvr>
     <a:masterClrMapping/>
   </p:clrMapOvr>
+  <p:timing>
+    <p:tnLst>
+      <p:par>
+        <p:cTn id="1" dur="indefinite" restart="never" nodeType="tmRoot"/>
+      </p:par>
+    </p:tnLst>
+  </p:timing>
 </p:sld>
 </file>
 
@@ -4107,8 +4156,12 @@
           <a:lstStyle/>
           <a:p>
             <a:r>
+              <a:rPr lang="fr-FR" dirty="0" err="1" smtClean="0"/>
+              <a:t>Instantiation</a:t>
+            </a:r>
+            <a:r>
               <a:rPr lang="fr-FR" dirty="0" smtClean="0"/>
-              <a:t>Expression</a:t>
+              <a:t> JSON</a:t>
             </a:r>
             <a:endParaRPr lang="fr-FR" dirty="0"/>
           </a:p>
@@ -4131,121 +4184,67 @@
           <a:p>
             <a:r>
               <a:rPr lang="fr-FR" dirty="0" smtClean="0"/>
-              <a:t>Les classes TS sont préfixées par export</a:t>
-            </a:r>
-          </a:p>
-          <a:p>
+              <a:t>Il est possible d’</a:t>
+            </a:r>
+            <a:r>
+              <a:rPr lang="fr-FR" dirty="0" err="1" smtClean="0"/>
+              <a:t>instantier</a:t>
+            </a:r>
             <a:r>
               <a:rPr lang="fr-FR" dirty="0" smtClean="0"/>
-              <a:t>Les vues HTML peuvent voir les attributs de la classe du composant</a:t>
-            </a:r>
-          </a:p>
-          <a:p>
-            <a:pPr marL="457200" lvl="1" indent="0">
-              <a:buNone/>
-            </a:pPr>
-            <a:r>
-              <a:rPr lang="fr-FR" dirty="0"/>
-              <a:t>export class </a:t>
-            </a:r>
-            <a:r>
-              <a:rPr lang="fr-FR" dirty="0" err="1"/>
-              <a:t>HeroesComponent</a:t>
-            </a:r>
-            <a:r>
-              <a:rPr lang="fr-FR" dirty="0"/>
-              <a:t> </a:t>
-            </a:r>
-            <a:r>
-              <a:rPr lang="fr-FR" dirty="0" err="1"/>
-              <a:t>implements</a:t>
-            </a:r>
-            <a:r>
-              <a:rPr lang="fr-FR" dirty="0"/>
-              <a:t> </a:t>
-            </a:r>
-            <a:r>
-              <a:rPr lang="fr-FR" dirty="0" err="1"/>
-              <a:t>OnInit</a:t>
-            </a:r>
-            <a:r>
-              <a:rPr lang="fr-FR" dirty="0"/>
-              <a:t> {</a:t>
-            </a:r>
-          </a:p>
-          <a:p>
-            <a:pPr marL="457200" lvl="1" indent="0">
-              <a:buNone/>
-            </a:pPr>
-            <a:r>
-              <a:rPr lang="fr-FR" dirty="0" smtClean="0"/>
-              <a:t>  </a:t>
-            </a:r>
-            <a:r>
-              <a:rPr lang="fr-FR" dirty="0" err="1"/>
-              <a:t>result</a:t>
-            </a:r>
-            <a:r>
-              <a:rPr lang="fr-FR" dirty="0"/>
-              <a:t> = "Résultat du calcul</a:t>
-            </a:r>
-            <a:r>
-              <a:rPr lang="fr-FR" dirty="0" smtClean="0"/>
-              <a:t>";</a:t>
-            </a:r>
-          </a:p>
-          <a:p>
-            <a:r>
-              <a:rPr lang="fr-FR" dirty="0" smtClean="0"/>
-              <a:t>Expression de la vue</a:t>
-            </a:r>
-          </a:p>
-          <a:p>
-            <a:pPr lvl="1"/>
-            <a:r>
-              <a:rPr lang="fr-FR" dirty="0" smtClean="0"/>
-              <a:t>Dans le HTML le binding suivant affiche </a:t>
-            </a:r>
-            <a:r>
-              <a:rPr lang="fr-FR" dirty="0" err="1" smtClean="0"/>
-              <a:t>result</a:t>
-            </a:r>
-            <a:endParaRPr lang="fr-FR" dirty="0" smtClean="0"/>
-          </a:p>
-          <a:p>
-            <a:pPr lvl="1"/>
-            <a:r>
-              <a:rPr lang="fr-FR" dirty="0" smtClean="0"/>
-              <a:t>{{</a:t>
-            </a:r>
-            <a:r>
-              <a:rPr lang="fr-FR" dirty="0" err="1" smtClean="0"/>
-              <a:t>result</a:t>
-            </a:r>
-            <a:r>
-              <a:rPr lang="fr-FR" dirty="0" smtClean="0"/>
-              <a:t>}}</a:t>
-            </a:r>
-          </a:p>
-          <a:p>
-            <a:endParaRPr lang="fr-FR" dirty="0" smtClean="0"/>
+              <a:t> une classe avec une écriture JSON</a:t>
+            </a:r>
+          </a:p>
+          <a:p>
+            <a:endParaRPr lang="fr-FR" dirty="0"/>
           </a:p>
         </p:txBody>
       </p:sp>
+      <p:pic>
+        <p:nvPicPr>
+          <p:cNvPr id="4" name="Image 3"/>
+          <p:cNvPicPr>
+            <a:picLocks noChangeAspect="1"/>
+          </p:cNvPicPr>
+          <p:nvPr/>
+        </p:nvPicPr>
+        <p:blipFill>
+          <a:blip r:embed="rId2"/>
+          <a:stretch>
+            <a:fillRect/>
+          </a:stretch>
+        </p:blipFill>
+        <p:spPr>
+          <a:xfrm>
+            <a:off x="2771984" y="2924944"/>
+            <a:ext cx="2852553" cy="1691630"/>
+          </a:xfrm>
+          <a:prstGeom prst="rect">
+            <a:avLst/>
+          </a:prstGeom>
+        </p:spPr>
+      </p:pic>
     </p:spTree>
     <p:extLst>
       <p:ext uri="{BB962C8B-B14F-4D97-AF65-F5344CB8AC3E}">
-        <p14:creationId xmlns:p14="http://schemas.microsoft.com/office/powerpoint/2010/main" val="1902385541"/>
+        <p14:creationId xmlns:p14="http://schemas.microsoft.com/office/powerpoint/2010/main" val="3178188165"/>
       </p:ext>
     </p:extLst>
   </p:cSld>
   <p:clrMapOvr>
     <a:masterClrMapping/>
   </p:clrMapOvr>
+  <p:timing>
+    <p:tnLst>
+      <p:par>
+        <p:cTn id="1" dur="indefinite" restart="never" nodeType="tmRoot"/>
+      </p:par>
+    </p:tnLst>
+  </p:timing>
 </p:sld>
 </file>
 
-<file path=ppt/slides/slide12.xml><?xml version="1.0" encoding="utf-8"?>
+<file path=ppt/slides/slide2.xml><?xml version="1.0" encoding="utf-8"?>
 <p:sld xmlns:a="http://schemas.openxmlformats.org/drawingml/2006/main" xmlns:r="http://schemas.openxmlformats.org/officeDocument/2006/relationships" xmlns:p="http://schemas.openxmlformats.org/presentationml/2006/main">
   <p:cSld>
     <p:spTree>
@@ -4279,7 +4278,7 @@
           <a:p>
             <a:r>
               <a:rPr lang="fr-FR" dirty="0" smtClean="0"/>
-              <a:t>Sélecteur</a:t>
+              <a:t>Composants</a:t>
             </a:r>
             <a:endParaRPr lang="fr-FR" dirty="0"/>
           </a:p>
@@ -4302,6 +4301,801 @@
           <a:p>
             <a:r>
               <a:rPr lang="fr-FR" dirty="0" smtClean="0"/>
+              <a:t>Programmation orientée composant</a:t>
+            </a:r>
+          </a:p>
+          <a:p>
+            <a:r>
+              <a:rPr lang="fr-FR" dirty="0" smtClean="0"/>
+              <a:t>Chaque composant possède</a:t>
+            </a:r>
+          </a:p>
+          <a:p>
+            <a:pPr lvl="1"/>
+            <a:r>
+              <a:rPr lang="fr-FR" dirty="0" smtClean="0"/>
+              <a:t>Une classe</a:t>
+            </a:r>
+          </a:p>
+          <a:p>
+            <a:pPr lvl="1"/>
+            <a:r>
+              <a:rPr lang="fr-FR" dirty="0" smtClean="0"/>
+              <a:t>Une vue HTML (</a:t>
+            </a:r>
+            <a:r>
+              <a:rPr lang="fr-FR" dirty="0" err="1" smtClean="0"/>
+              <a:t>template</a:t>
+            </a:r>
+            <a:r>
+              <a:rPr lang="fr-FR" dirty="0" smtClean="0"/>
+              <a:t>)</a:t>
+            </a:r>
+          </a:p>
+          <a:p>
+            <a:pPr lvl="1"/>
+            <a:r>
+              <a:rPr lang="fr-FR" dirty="0" smtClean="0"/>
+              <a:t>Une CSS</a:t>
+            </a:r>
+          </a:p>
+          <a:p>
+            <a:pPr lvl="1"/>
+            <a:endParaRPr lang="fr-FR" dirty="0"/>
+          </a:p>
+        </p:txBody>
+      </p:sp>
+    </p:spTree>
+    <p:extLst>
+      <p:ext uri="{BB962C8B-B14F-4D97-AF65-F5344CB8AC3E}">
+        <p14:creationId xmlns:p14="http://schemas.microsoft.com/office/powerpoint/2010/main" val="1058257015"/>
+      </p:ext>
+    </p:extLst>
+  </p:cSld>
+  <p:clrMapOvr>
+    <a:masterClrMapping/>
+  </p:clrMapOvr>
+  <p:timing>
+    <p:tnLst>
+      <p:par>
+        <p:cTn id="1" dur="indefinite" restart="never" nodeType="tmRoot"/>
+      </p:par>
+    </p:tnLst>
+  </p:timing>
+</p:sld>
+</file>
+
+<file path=ppt/slides/slide3.xml><?xml version="1.0" encoding="utf-8"?>
+<p:sld xmlns:a="http://schemas.openxmlformats.org/drawingml/2006/main" xmlns:r="http://schemas.openxmlformats.org/officeDocument/2006/relationships" xmlns:p="http://schemas.openxmlformats.org/presentationml/2006/main">
+  <p:cSld>
+    <p:spTree>
+      <p:nvGrpSpPr>
+        <p:cNvPr id="1" name=""/>
+        <p:cNvGrpSpPr/>
+        <p:nvPr/>
+      </p:nvGrpSpPr>
+      <p:grpSpPr>
+        <a:xfrm>
+          <a:off x="0" y="0"/>
+          <a:ext cx="0" cy="0"/>
+          <a:chOff x="0" y="0"/>
+          <a:chExt cx="0" cy="0"/>
+        </a:xfrm>
+      </p:grpSpPr>
+      <p:sp>
+        <p:nvSpPr>
+          <p:cNvPr id="2" name="Titre 1"/>
+          <p:cNvSpPr>
+            <a:spLocks noGrp="1"/>
+          </p:cNvSpPr>
+          <p:nvPr>
+            <p:ph type="title"/>
+          </p:nvPr>
+        </p:nvSpPr>
+        <p:spPr/>
+        <p:txBody>
+          <a:bodyPr/>
+          <a:lstStyle/>
+          <a:p>
+            <a:r>
+              <a:rPr lang="fr-FR" dirty="0" smtClean="0"/>
+              <a:t>Architecture</a:t>
+            </a:r>
+            <a:endParaRPr lang="fr-FR" dirty="0"/>
+          </a:p>
+        </p:txBody>
+      </p:sp>
+      <p:sp>
+        <p:nvSpPr>
+          <p:cNvPr id="3" name="Espace réservé du contenu 2"/>
+          <p:cNvSpPr>
+            <a:spLocks noGrp="1"/>
+          </p:cNvSpPr>
+          <p:nvPr>
+            <p:ph idx="1"/>
+          </p:nvPr>
+        </p:nvSpPr>
+        <p:spPr/>
+        <p:txBody>
+          <a:bodyPr/>
+          <a:lstStyle/>
+          <a:p>
+            <a:endParaRPr lang="fr-FR"/>
+          </a:p>
+        </p:txBody>
+      </p:sp>
+      <p:pic>
+        <p:nvPicPr>
+          <p:cNvPr id="1026" name="Picture 2" descr="overview"/>
+          <p:cNvPicPr>
+            <a:picLocks noChangeAspect="1" noChangeArrowheads="1"/>
+          </p:cNvPicPr>
+          <p:nvPr/>
+        </p:nvPicPr>
+        <p:blipFill>
+          <a:blip r:embed="rId2">
+            <a:extLst>
+              <a:ext uri="{28A0092B-C50C-407E-A947-70E740481C1C}">
+                <a14:useLocalDpi xmlns:a14="http://schemas.microsoft.com/office/drawing/2010/main" val="0"/>
+              </a:ext>
+            </a:extLst>
+          </a:blip>
+          <a:srcRect/>
+          <a:stretch>
+            <a:fillRect/>
+          </a:stretch>
+        </p:blipFill>
+        <p:spPr bwMode="auto">
+          <a:xfrm>
+            <a:off x="172367" y="1389410"/>
+            <a:ext cx="8824448" cy="4487862"/>
+          </a:xfrm>
+          <a:prstGeom prst="rect">
+            <a:avLst/>
+          </a:prstGeom>
+          <a:noFill/>
+          <a:extLst>
+            <a:ext uri="{909E8E84-426E-40DD-AFC4-6F175D3DCCD1}">
+              <a14:hiddenFill xmlns:a14="http://schemas.microsoft.com/office/drawing/2010/main">
+                <a:solidFill>
+                  <a:srgbClr val="FFFFFF"/>
+                </a:solidFill>
+              </a14:hiddenFill>
+            </a:ext>
+          </a:extLst>
+        </p:spPr>
+      </p:pic>
+    </p:spTree>
+    <p:extLst>
+      <p:ext uri="{BB962C8B-B14F-4D97-AF65-F5344CB8AC3E}">
+        <p14:creationId xmlns:p14="http://schemas.microsoft.com/office/powerpoint/2010/main" val="2579369109"/>
+      </p:ext>
+    </p:extLst>
+  </p:cSld>
+  <p:clrMapOvr>
+    <a:masterClrMapping/>
+  </p:clrMapOvr>
+  <p:timing>
+    <p:tnLst>
+      <p:par>
+        <p:cTn id="1" dur="indefinite" restart="never" nodeType="tmRoot"/>
+      </p:par>
+    </p:tnLst>
+  </p:timing>
+</p:sld>
+</file>
+
+<file path=ppt/slides/slide4.xml><?xml version="1.0" encoding="utf-8"?>
+<p:sld xmlns:a="http://schemas.openxmlformats.org/drawingml/2006/main" xmlns:r="http://schemas.openxmlformats.org/officeDocument/2006/relationships" xmlns:p="http://schemas.openxmlformats.org/presentationml/2006/main">
+  <p:cSld>
+    <p:spTree>
+      <p:nvGrpSpPr>
+        <p:cNvPr id="1" name=""/>
+        <p:cNvGrpSpPr/>
+        <p:nvPr/>
+      </p:nvGrpSpPr>
+      <p:grpSpPr>
+        <a:xfrm>
+          <a:off x="0" y="0"/>
+          <a:ext cx="0" cy="0"/>
+          <a:chOff x="0" y="0"/>
+          <a:chExt cx="0" cy="0"/>
+        </a:xfrm>
+      </p:grpSpPr>
+      <p:sp>
+        <p:nvSpPr>
+          <p:cNvPr id="2" name="Titre 1"/>
+          <p:cNvSpPr>
+            <a:spLocks noGrp="1"/>
+          </p:cNvSpPr>
+          <p:nvPr>
+            <p:ph type="title"/>
+          </p:nvPr>
+        </p:nvSpPr>
+        <p:spPr/>
+        <p:txBody>
+          <a:bodyPr/>
+          <a:lstStyle/>
+          <a:p>
+            <a:r>
+              <a:rPr lang="fr-FR" dirty="0" smtClean="0"/>
+              <a:t>Template</a:t>
+            </a:r>
+            <a:endParaRPr lang="fr-FR" dirty="0"/>
+          </a:p>
+        </p:txBody>
+      </p:sp>
+      <p:sp>
+        <p:nvSpPr>
+          <p:cNvPr id="3" name="Espace réservé du contenu 2"/>
+          <p:cNvSpPr>
+            <a:spLocks noGrp="1"/>
+          </p:cNvSpPr>
+          <p:nvPr>
+            <p:ph idx="1"/>
+          </p:nvPr>
+        </p:nvSpPr>
+        <p:spPr/>
+        <p:txBody>
+          <a:bodyPr/>
+          <a:lstStyle/>
+          <a:p>
+            <a:r>
+              <a:rPr lang="fr-FR" dirty="0" smtClean="0"/>
+              <a:t>Vue du composant</a:t>
+            </a:r>
+          </a:p>
+          <a:p>
+            <a:pPr lvl="1"/>
+            <a:r>
+              <a:rPr lang="fr-FR" dirty="0" smtClean="0"/>
+              <a:t>HTML</a:t>
+            </a:r>
+          </a:p>
+          <a:p>
+            <a:pPr lvl="1"/>
+            <a:r>
+              <a:rPr lang="fr-FR" dirty="0" smtClean="0"/>
+              <a:t>Mixera l'HTML </a:t>
+            </a:r>
+            <a:r>
+              <a:rPr lang="fr-FR" dirty="0" err="1" smtClean="0"/>
+              <a:t>root</a:t>
+            </a:r>
+            <a:r>
+              <a:rPr lang="fr-FR" dirty="0" smtClean="0"/>
+              <a:t> et les </a:t>
+            </a:r>
+            <a:r>
+              <a:rPr lang="fr-FR" dirty="0" err="1" smtClean="0"/>
+              <a:t>descandants</a:t>
+            </a:r>
+            <a:endParaRPr lang="fr-FR" dirty="0"/>
+          </a:p>
+        </p:txBody>
+      </p:sp>
+      <p:pic>
+        <p:nvPicPr>
+          <p:cNvPr id="3074" name="Picture 2" descr="Template"/>
+          <p:cNvPicPr>
+            <a:picLocks noChangeAspect="1" noChangeArrowheads="1"/>
+          </p:cNvPicPr>
+          <p:nvPr/>
+        </p:nvPicPr>
+        <p:blipFill>
+          <a:blip r:embed="rId2">
+            <a:extLst>
+              <a:ext uri="{28A0092B-C50C-407E-A947-70E740481C1C}">
+                <a14:useLocalDpi xmlns:a14="http://schemas.microsoft.com/office/drawing/2010/main" val="0"/>
+              </a:ext>
+            </a:extLst>
+          </a:blip>
+          <a:srcRect/>
+          <a:stretch>
+            <a:fillRect/>
+          </a:stretch>
+        </p:blipFill>
+        <p:spPr bwMode="auto">
+          <a:xfrm>
+            <a:off x="5856961" y="764704"/>
+            <a:ext cx="2779256" cy="1584176"/>
+          </a:xfrm>
+          <a:prstGeom prst="rect">
+            <a:avLst/>
+          </a:prstGeom>
+          <a:noFill/>
+          <a:extLst>
+            <a:ext uri="{909E8E84-426E-40DD-AFC4-6F175D3DCCD1}">
+              <a14:hiddenFill xmlns:a14="http://schemas.microsoft.com/office/drawing/2010/main">
+                <a:solidFill>
+                  <a:srgbClr val="FFFFFF"/>
+                </a:solidFill>
+              </a14:hiddenFill>
+            </a:ext>
+          </a:extLst>
+        </p:spPr>
+      </p:pic>
+      <p:pic>
+        <p:nvPicPr>
+          <p:cNvPr id="3076" name="Picture 4" descr="Component tree"/>
+          <p:cNvPicPr>
+            <a:picLocks noChangeAspect="1" noChangeArrowheads="1"/>
+          </p:cNvPicPr>
+          <p:nvPr/>
+        </p:nvPicPr>
+        <p:blipFill>
+          <a:blip r:embed="rId3">
+            <a:extLst>
+              <a:ext uri="{28A0092B-C50C-407E-A947-70E740481C1C}">
+                <a14:useLocalDpi xmlns:a14="http://schemas.microsoft.com/office/drawing/2010/main" val="0"/>
+              </a:ext>
+            </a:extLst>
+          </a:blip>
+          <a:srcRect/>
+          <a:stretch>
+            <a:fillRect/>
+          </a:stretch>
+        </p:blipFill>
+        <p:spPr bwMode="auto">
+          <a:xfrm>
+            <a:off x="1187624" y="2832918"/>
+            <a:ext cx="4680520" cy="3604000"/>
+          </a:xfrm>
+          <a:prstGeom prst="rect">
+            <a:avLst/>
+          </a:prstGeom>
+          <a:noFill/>
+          <a:extLst>
+            <a:ext uri="{909E8E84-426E-40DD-AFC4-6F175D3DCCD1}">
+              <a14:hiddenFill xmlns:a14="http://schemas.microsoft.com/office/drawing/2010/main">
+                <a:solidFill>
+                  <a:srgbClr val="FFFFFF"/>
+                </a:solidFill>
+              </a14:hiddenFill>
+            </a:ext>
+          </a:extLst>
+        </p:spPr>
+      </p:pic>
+    </p:spTree>
+    <p:extLst>
+      <p:ext uri="{BB962C8B-B14F-4D97-AF65-F5344CB8AC3E}">
+        <p14:creationId xmlns:p14="http://schemas.microsoft.com/office/powerpoint/2010/main" val="1813696902"/>
+      </p:ext>
+    </p:extLst>
+  </p:cSld>
+  <p:clrMapOvr>
+    <a:masterClrMapping/>
+  </p:clrMapOvr>
+  <p:timing>
+    <p:tnLst>
+      <p:par>
+        <p:cTn id="1" dur="indefinite" restart="never" nodeType="tmRoot"/>
+      </p:par>
+    </p:tnLst>
+  </p:timing>
+</p:sld>
+</file>
+
+<file path=ppt/slides/slide5.xml><?xml version="1.0" encoding="utf-8"?>
+<p:sld xmlns:a="http://schemas.openxmlformats.org/drawingml/2006/main" xmlns:r="http://schemas.openxmlformats.org/officeDocument/2006/relationships" xmlns:p="http://schemas.openxmlformats.org/presentationml/2006/main">
+  <p:cSld>
+    <p:spTree>
+      <p:nvGrpSpPr>
+        <p:cNvPr id="1" name=""/>
+        <p:cNvGrpSpPr/>
+        <p:nvPr/>
+      </p:nvGrpSpPr>
+      <p:grpSpPr>
+        <a:xfrm>
+          <a:off x="0" y="0"/>
+          <a:ext cx="0" cy="0"/>
+          <a:chOff x="0" y="0"/>
+          <a:chExt cx="0" cy="0"/>
+        </a:xfrm>
+      </p:grpSpPr>
+      <p:sp>
+        <p:nvSpPr>
+          <p:cNvPr id="2" name="Titre 1"/>
+          <p:cNvSpPr>
+            <a:spLocks noGrp="1"/>
+          </p:cNvSpPr>
+          <p:nvPr>
+            <p:ph type="title"/>
+          </p:nvPr>
+        </p:nvSpPr>
+        <p:spPr/>
+        <p:txBody>
+          <a:bodyPr/>
+          <a:lstStyle/>
+          <a:p>
+            <a:r>
+              <a:rPr lang="fr-FR" dirty="0" err="1" smtClean="0"/>
+              <a:t>Ng</a:t>
+            </a:r>
+            <a:r>
+              <a:rPr lang="fr-FR" dirty="0" smtClean="0"/>
+              <a:t> </a:t>
+            </a:r>
+            <a:r>
+              <a:rPr lang="fr-FR" dirty="0" err="1" smtClean="0"/>
+              <a:t>generate</a:t>
+            </a:r>
+            <a:endParaRPr lang="fr-FR" dirty="0"/>
+          </a:p>
+        </p:txBody>
+      </p:sp>
+      <p:sp>
+        <p:nvSpPr>
+          <p:cNvPr id="3" name="Espace réservé du contenu 2"/>
+          <p:cNvSpPr>
+            <a:spLocks noGrp="1"/>
+          </p:cNvSpPr>
+          <p:nvPr>
+            <p:ph idx="1"/>
+          </p:nvPr>
+        </p:nvSpPr>
+        <p:spPr/>
+        <p:txBody>
+          <a:bodyPr/>
+          <a:lstStyle/>
+          <a:p>
+            <a:r>
+              <a:rPr lang="fr-FR" dirty="0" smtClean="0"/>
+              <a:t>Afin d’éviter la saisie du code des 3 fichiers .html, .</a:t>
+            </a:r>
+            <a:r>
+              <a:rPr lang="fr-FR" dirty="0" err="1" smtClean="0"/>
+              <a:t>css</a:t>
+            </a:r>
+            <a:r>
+              <a:rPr lang="fr-FR" dirty="0" smtClean="0"/>
+              <a:t> et .</a:t>
+            </a:r>
+            <a:r>
+              <a:rPr lang="fr-FR" dirty="0" err="1" smtClean="0"/>
+              <a:t>ts</a:t>
+            </a:r>
+            <a:r>
+              <a:rPr lang="fr-FR" dirty="0" smtClean="0"/>
+              <a:t> une commande a été créée</a:t>
+            </a:r>
+          </a:p>
+          <a:p>
+            <a:r>
+              <a:rPr lang="fr-FR" dirty="0" err="1" smtClean="0"/>
+              <a:t>Ng</a:t>
+            </a:r>
+            <a:r>
+              <a:rPr lang="fr-FR" dirty="0" smtClean="0"/>
+              <a:t> </a:t>
+            </a:r>
+            <a:r>
+              <a:rPr lang="fr-FR" dirty="0" err="1" smtClean="0"/>
+              <a:t>generate</a:t>
+            </a:r>
+            <a:r>
+              <a:rPr lang="fr-FR" dirty="0" smtClean="0"/>
+              <a:t> component </a:t>
+            </a:r>
+            <a:r>
+              <a:rPr lang="fr-FR" dirty="0" err="1" smtClean="0"/>
+              <a:t>nomDuComposant</a:t>
+            </a:r>
+            <a:endParaRPr lang="fr-FR" dirty="0" smtClean="0"/>
+          </a:p>
+          <a:p>
+            <a:r>
+              <a:rPr lang="fr-FR" dirty="0" smtClean="0"/>
+              <a:t>Exemple</a:t>
+            </a:r>
+          </a:p>
+          <a:p>
+            <a:pPr lvl="1"/>
+            <a:r>
+              <a:rPr lang="fr-FR" dirty="0" err="1"/>
+              <a:t>ng</a:t>
+            </a:r>
+            <a:r>
+              <a:rPr lang="fr-FR" dirty="0"/>
+              <a:t> </a:t>
+            </a:r>
+            <a:r>
+              <a:rPr lang="fr-FR" dirty="0" err="1"/>
+              <a:t>generate</a:t>
+            </a:r>
+            <a:r>
+              <a:rPr lang="fr-FR" dirty="0"/>
+              <a:t> component </a:t>
+            </a:r>
+            <a:r>
+              <a:rPr lang="fr-FR" dirty="0" err="1" smtClean="0"/>
+              <a:t>heroes</a:t>
+            </a:r>
+            <a:endParaRPr lang="fr-FR" dirty="0" smtClean="0"/>
+          </a:p>
+          <a:p>
+            <a:pPr lvl="1"/>
+            <a:r>
+              <a:rPr lang="fr-FR" dirty="0" smtClean="0"/>
+              <a:t>Génère les 3 fichiers</a:t>
+            </a:r>
+          </a:p>
+          <a:p>
+            <a:pPr lvl="1"/>
+            <a:r>
+              <a:rPr lang="fr-FR" dirty="0" smtClean="0"/>
+              <a:t>Avec du code</a:t>
+            </a:r>
+          </a:p>
+          <a:p>
+            <a:pPr lvl="1"/>
+            <a:r>
+              <a:rPr lang="fr-FR" dirty="0" smtClean="0"/>
+              <a:t>Dans le répertoire </a:t>
+            </a:r>
+            <a:r>
+              <a:rPr lang="fr-FR" dirty="0" err="1" smtClean="0"/>
+              <a:t>heroes</a:t>
+            </a:r>
+            <a:endParaRPr lang="fr-FR" dirty="0"/>
+          </a:p>
+        </p:txBody>
+      </p:sp>
+    </p:spTree>
+    <p:extLst>
+      <p:ext uri="{BB962C8B-B14F-4D97-AF65-F5344CB8AC3E}">
+        <p14:creationId xmlns:p14="http://schemas.microsoft.com/office/powerpoint/2010/main" val="2025941972"/>
+      </p:ext>
+    </p:extLst>
+  </p:cSld>
+  <p:clrMapOvr>
+    <a:masterClrMapping/>
+  </p:clrMapOvr>
+  <p:timing>
+    <p:tnLst>
+      <p:par>
+        <p:cTn id="1" dur="indefinite" restart="never" nodeType="tmRoot"/>
+      </p:par>
+    </p:tnLst>
+  </p:timing>
+</p:sld>
+</file>
+
+<file path=ppt/slides/slide6.xml><?xml version="1.0" encoding="utf-8"?>
+<p:sld xmlns:a="http://schemas.openxmlformats.org/drawingml/2006/main" xmlns:r="http://schemas.openxmlformats.org/officeDocument/2006/relationships" xmlns:p="http://schemas.openxmlformats.org/presentationml/2006/main">
+  <p:cSld>
+    <p:spTree>
+      <p:nvGrpSpPr>
+        <p:cNvPr id="1" name=""/>
+        <p:cNvGrpSpPr/>
+        <p:nvPr/>
+      </p:nvGrpSpPr>
+      <p:grpSpPr>
+        <a:xfrm>
+          <a:off x="0" y="0"/>
+          <a:ext cx="0" cy="0"/>
+          <a:chOff x="0" y="0"/>
+          <a:chExt cx="0" cy="0"/>
+        </a:xfrm>
+      </p:grpSpPr>
+      <p:sp>
+        <p:nvSpPr>
+          <p:cNvPr id="2" name="Titre 1"/>
+          <p:cNvSpPr>
+            <a:spLocks noGrp="1"/>
+          </p:cNvSpPr>
+          <p:nvPr>
+            <p:ph type="title"/>
+          </p:nvPr>
+        </p:nvSpPr>
+        <p:spPr/>
+        <p:txBody>
+          <a:bodyPr/>
+          <a:lstStyle/>
+          <a:p>
+            <a:r>
+              <a:rPr lang="fr-FR" dirty="0" smtClean="0"/>
+              <a:t>Expression</a:t>
+            </a:r>
+            <a:endParaRPr lang="fr-FR" dirty="0"/>
+          </a:p>
+        </p:txBody>
+      </p:sp>
+      <p:sp>
+        <p:nvSpPr>
+          <p:cNvPr id="3" name="Espace réservé du contenu 2"/>
+          <p:cNvSpPr>
+            <a:spLocks noGrp="1"/>
+          </p:cNvSpPr>
+          <p:nvPr>
+            <p:ph idx="1"/>
+          </p:nvPr>
+        </p:nvSpPr>
+        <p:spPr/>
+        <p:txBody>
+          <a:bodyPr/>
+          <a:lstStyle/>
+          <a:p>
+            <a:r>
+              <a:rPr lang="fr-FR" dirty="0" smtClean="0"/>
+              <a:t>Les classes TS sont préfixées par export</a:t>
+            </a:r>
+          </a:p>
+          <a:p>
+            <a:r>
+              <a:rPr lang="fr-FR" dirty="0" smtClean="0"/>
+              <a:t>Les vues HTML peuvent voir les attributs de la classe du composant</a:t>
+            </a:r>
+          </a:p>
+          <a:p>
+            <a:pPr marL="457200" lvl="1" indent="0">
+              <a:buNone/>
+            </a:pPr>
+            <a:r>
+              <a:rPr lang="fr-FR" dirty="0"/>
+              <a:t>export class </a:t>
+            </a:r>
+            <a:r>
+              <a:rPr lang="fr-FR" dirty="0" err="1"/>
+              <a:t>HeroesComponent</a:t>
+            </a:r>
+            <a:r>
+              <a:rPr lang="fr-FR" dirty="0"/>
+              <a:t> </a:t>
+            </a:r>
+            <a:r>
+              <a:rPr lang="fr-FR" dirty="0" err="1"/>
+              <a:t>implements</a:t>
+            </a:r>
+            <a:r>
+              <a:rPr lang="fr-FR" dirty="0"/>
+              <a:t> </a:t>
+            </a:r>
+            <a:r>
+              <a:rPr lang="fr-FR" dirty="0" err="1"/>
+              <a:t>OnInit</a:t>
+            </a:r>
+            <a:r>
+              <a:rPr lang="fr-FR" dirty="0"/>
+              <a:t> {</a:t>
+            </a:r>
+          </a:p>
+          <a:p>
+            <a:pPr marL="457200" lvl="1" indent="0">
+              <a:buNone/>
+            </a:pPr>
+            <a:r>
+              <a:rPr lang="fr-FR" dirty="0" smtClean="0"/>
+              <a:t>  </a:t>
+            </a:r>
+            <a:r>
+              <a:rPr lang="fr-FR" dirty="0" err="1"/>
+              <a:t>result</a:t>
+            </a:r>
+            <a:r>
+              <a:rPr lang="fr-FR" dirty="0"/>
+              <a:t> = "Résultat du calcul</a:t>
+            </a:r>
+            <a:r>
+              <a:rPr lang="fr-FR" dirty="0" smtClean="0"/>
+              <a:t>";</a:t>
+            </a:r>
+          </a:p>
+          <a:p>
+            <a:r>
+              <a:rPr lang="fr-FR" dirty="0" smtClean="0"/>
+              <a:t>Expression de la vue</a:t>
+            </a:r>
+          </a:p>
+          <a:p>
+            <a:pPr lvl="1"/>
+            <a:r>
+              <a:rPr lang="fr-FR" dirty="0" smtClean="0"/>
+              <a:t>Dans le HTML le binding suivant affiche </a:t>
+            </a:r>
+            <a:r>
+              <a:rPr lang="fr-FR" dirty="0" err="1" smtClean="0"/>
+              <a:t>result</a:t>
+            </a:r>
+            <a:endParaRPr lang="fr-FR" dirty="0" smtClean="0"/>
+          </a:p>
+          <a:p>
+            <a:pPr lvl="1"/>
+            <a:r>
+              <a:rPr lang="fr-FR" dirty="0" smtClean="0"/>
+              <a:t>{{</a:t>
+            </a:r>
+            <a:r>
+              <a:rPr lang="fr-FR" dirty="0" err="1" smtClean="0"/>
+              <a:t>result</a:t>
+            </a:r>
+            <a:r>
+              <a:rPr lang="fr-FR" dirty="0" smtClean="0"/>
+              <a:t>}}</a:t>
+            </a:r>
+          </a:p>
+          <a:p>
+            <a:endParaRPr lang="fr-FR" dirty="0" smtClean="0"/>
+          </a:p>
+        </p:txBody>
+      </p:sp>
+    </p:spTree>
+    <p:extLst>
+      <p:ext uri="{BB962C8B-B14F-4D97-AF65-F5344CB8AC3E}">
+        <p14:creationId xmlns:p14="http://schemas.microsoft.com/office/powerpoint/2010/main" val="1902385541"/>
+      </p:ext>
+    </p:extLst>
+  </p:cSld>
+  <p:clrMapOvr>
+    <a:masterClrMapping/>
+  </p:clrMapOvr>
+  <p:timing>
+    <p:tnLst>
+      <p:par>
+        <p:cTn id="1" dur="indefinite" restart="never" nodeType="tmRoot"/>
+      </p:par>
+    </p:tnLst>
+  </p:timing>
+</p:sld>
+</file>
+
+<file path=ppt/slides/slide7.xml><?xml version="1.0" encoding="utf-8"?>
+<p:sld xmlns:a="http://schemas.openxmlformats.org/drawingml/2006/main" xmlns:r="http://schemas.openxmlformats.org/officeDocument/2006/relationships" xmlns:p="http://schemas.openxmlformats.org/presentationml/2006/main">
+  <p:cSld>
+    <p:spTree>
+      <p:nvGrpSpPr>
+        <p:cNvPr id="1" name=""/>
+        <p:cNvGrpSpPr/>
+        <p:nvPr/>
+      </p:nvGrpSpPr>
+      <p:grpSpPr>
+        <a:xfrm>
+          <a:off x="0" y="0"/>
+          <a:ext cx="0" cy="0"/>
+          <a:chOff x="0" y="0"/>
+          <a:chExt cx="0" cy="0"/>
+        </a:xfrm>
+      </p:grpSpPr>
+      <p:sp>
+        <p:nvSpPr>
+          <p:cNvPr id="2" name="Titre 1"/>
+          <p:cNvSpPr>
+            <a:spLocks noGrp="1"/>
+          </p:cNvSpPr>
+          <p:nvPr>
+            <p:ph type="title"/>
+          </p:nvPr>
+        </p:nvSpPr>
+        <p:spPr/>
+        <p:txBody>
+          <a:bodyPr/>
+          <a:lstStyle/>
+          <a:p>
+            <a:r>
+              <a:rPr lang="fr-FR" dirty="0" smtClean="0"/>
+              <a:t>Sélecteur</a:t>
+            </a:r>
+            <a:endParaRPr lang="fr-FR" dirty="0"/>
+          </a:p>
+        </p:txBody>
+      </p:sp>
+      <p:sp>
+        <p:nvSpPr>
+          <p:cNvPr id="3" name="Espace réservé du contenu 2"/>
+          <p:cNvSpPr>
+            <a:spLocks noGrp="1"/>
+          </p:cNvSpPr>
+          <p:nvPr>
+            <p:ph idx="1"/>
+          </p:nvPr>
+        </p:nvSpPr>
+        <p:spPr/>
+        <p:txBody>
+          <a:bodyPr/>
+          <a:lstStyle/>
+          <a:p>
+            <a:r>
+              <a:rPr lang="fr-FR" dirty="0" smtClean="0"/>
               <a:t>Le sélecteur est le nom </a:t>
             </a:r>
             <a:r>
@@ -4316,12 +5110,12 @@
           <a:p>
             <a:pPr lvl="1"/>
             <a:r>
-              <a:rPr lang="fr-FR" dirty="0" err="1"/>
-              <a:t>n</a:t>
-            </a:r>
-            <a:r>
               <a:rPr lang="fr-FR" dirty="0" err="1" smtClean="0"/>
-              <a:t>g-nomducomposant</a:t>
+              <a:t>app</a:t>
+            </a:r>
+            <a:r>
+              <a:rPr lang="fr-FR" dirty="0" err="1" smtClean="0"/>
+              <a:t>-nomducomposant</a:t>
             </a:r>
             <a:endParaRPr lang="fr-FR" dirty="0" smtClean="0"/>
           </a:p>
@@ -4349,10 +5143,17 @@
   <p:clrMapOvr>
     <a:masterClrMapping/>
   </p:clrMapOvr>
+  <p:timing>
+    <p:tnLst>
+      <p:par>
+        <p:cTn id="1" dur="indefinite" restart="never" nodeType="tmRoot"/>
+      </p:par>
+    </p:tnLst>
+  </p:timing>
 </p:sld>
 </file>
 
-<file path=ppt/slides/slide13.xml><?xml version="1.0" encoding="utf-8"?>
+<file path=ppt/slides/slide8.xml><?xml version="1.0" encoding="utf-8"?>
 <p:sld xmlns:a="http://schemas.openxmlformats.org/drawingml/2006/main" xmlns:r="http://schemas.openxmlformats.org/officeDocument/2006/relationships" xmlns:p="http://schemas.openxmlformats.org/presentationml/2006/main">
   <p:cSld>
     <p:spTree>
@@ -4575,1581 +5376,6 @@
 </p:sld>
 </file>
 
-<file path=ppt/slides/slide14.xml><?xml version="1.0" encoding="utf-8"?>
-<p:sld xmlns:a="http://schemas.openxmlformats.org/drawingml/2006/main" xmlns:r="http://schemas.openxmlformats.org/officeDocument/2006/relationships" xmlns:p="http://schemas.openxmlformats.org/presentationml/2006/main">
-  <p:cSld>
-    <p:spTree>
-      <p:nvGrpSpPr>
-        <p:cNvPr id="1" name=""/>
-        <p:cNvGrpSpPr/>
-        <p:nvPr/>
-      </p:nvGrpSpPr>
-      <p:grpSpPr>
-        <a:xfrm>
-          <a:off x="0" y="0"/>
-          <a:ext cx="0" cy="0"/>
-          <a:chOff x="0" y="0"/>
-          <a:chExt cx="0" cy="0"/>
-        </a:xfrm>
-      </p:grpSpPr>
-      <p:sp>
-        <p:nvSpPr>
-          <p:cNvPr id="2" name="Titre 1"/>
-          <p:cNvSpPr>
-            <a:spLocks noGrp="1"/>
-          </p:cNvSpPr>
-          <p:nvPr>
-            <p:ph type="title"/>
-          </p:nvPr>
-        </p:nvSpPr>
-        <p:spPr/>
-        <p:txBody>
-          <a:bodyPr/>
-          <a:lstStyle/>
-          <a:p>
-            <a:r>
-              <a:rPr lang="fr-FR" dirty="0" smtClean="0"/>
-              <a:t>Directive</a:t>
-            </a:r>
-            <a:endParaRPr lang="fr-FR" dirty="0"/>
-          </a:p>
-        </p:txBody>
-      </p:sp>
-      <p:sp>
-        <p:nvSpPr>
-          <p:cNvPr id="3" name="Espace réservé du contenu 2"/>
-          <p:cNvSpPr>
-            <a:spLocks noGrp="1"/>
-          </p:cNvSpPr>
-          <p:nvPr>
-            <p:ph idx="1"/>
-          </p:nvPr>
-        </p:nvSpPr>
-        <p:spPr/>
-        <p:txBody>
-          <a:bodyPr/>
-          <a:lstStyle/>
-          <a:p>
-            <a:r>
-              <a:rPr lang="fr-FR" dirty="0" smtClean="0"/>
-              <a:t>Le composant a créé une directive</a:t>
-            </a:r>
-          </a:p>
-          <a:p>
-            <a:r>
-              <a:rPr lang="fr-FR" dirty="0" smtClean="0"/>
-              <a:t>&lt;</a:t>
-            </a:r>
-            <a:r>
-              <a:rPr lang="fr-FR" dirty="0" err="1" smtClean="0"/>
-              <a:t>app-nomducomposant</a:t>
-            </a:r>
-            <a:r>
-              <a:rPr lang="fr-FR" dirty="0" smtClean="0"/>
-              <a:t>&gt;&lt;/</a:t>
-            </a:r>
-            <a:r>
-              <a:rPr lang="fr-FR" dirty="0" err="1" smtClean="0"/>
-              <a:t>app-nomducomposant</a:t>
-            </a:r>
-            <a:r>
-              <a:rPr lang="fr-FR" dirty="0" smtClean="0"/>
-              <a:t>&gt;</a:t>
-            </a:r>
-          </a:p>
-          <a:p>
-            <a:pPr lvl="1"/>
-            <a:r>
-              <a:rPr lang="fr-FR" dirty="0" smtClean="0"/>
-              <a:t>Permet d’inclure le composant dans un autre composant</a:t>
-            </a:r>
-          </a:p>
-          <a:p>
-            <a:pPr lvl="1"/>
-            <a:r>
-              <a:rPr lang="fr-FR" dirty="0" smtClean="0"/>
-              <a:t>Ecriture XML simplifiée déconseillée</a:t>
-            </a:r>
-          </a:p>
-          <a:p>
-            <a:pPr lvl="2"/>
-            <a:r>
-              <a:rPr lang="fr-FR" dirty="0" smtClean="0"/>
-              <a:t>&lt;</a:t>
-            </a:r>
-            <a:r>
-              <a:rPr lang="fr-FR" dirty="0" err="1" smtClean="0"/>
-              <a:t>app-nomducomposant</a:t>
-            </a:r>
-            <a:r>
-              <a:rPr lang="fr-FR" dirty="0" smtClean="0"/>
-              <a:t>/&gt;</a:t>
-            </a:r>
-          </a:p>
-          <a:p>
-            <a:r>
-              <a:rPr lang="fr-FR" dirty="0" smtClean="0"/>
-              <a:t>Par exemple</a:t>
-            </a:r>
-          </a:p>
-          <a:p>
-            <a:pPr lvl="1"/>
-            <a:r>
-              <a:rPr lang="fr-FR" dirty="0" smtClean="0"/>
-              <a:t>Dans app.component.html ajouter</a:t>
-            </a:r>
-          </a:p>
-          <a:p>
-            <a:pPr lvl="1"/>
-            <a:r>
-              <a:rPr lang="fr-FR" dirty="0" smtClean="0"/>
-              <a:t>&lt;</a:t>
-            </a:r>
-            <a:r>
-              <a:rPr lang="fr-FR" dirty="0" err="1" smtClean="0"/>
-              <a:t>app-heroes</a:t>
-            </a:r>
-            <a:r>
-              <a:rPr lang="fr-FR" dirty="0" smtClean="0"/>
-              <a:t>&gt;&lt;/</a:t>
-            </a:r>
-            <a:r>
-              <a:rPr lang="fr-FR" dirty="0" err="1" smtClean="0"/>
-              <a:t>app-heroes</a:t>
-            </a:r>
-            <a:r>
-              <a:rPr lang="fr-FR" dirty="0" smtClean="0"/>
-              <a:t>&gt;</a:t>
-            </a:r>
-            <a:endParaRPr lang="fr-FR" dirty="0"/>
-          </a:p>
-        </p:txBody>
-      </p:sp>
-    </p:spTree>
-    <p:extLst>
-      <p:ext uri="{BB962C8B-B14F-4D97-AF65-F5344CB8AC3E}">
-        <p14:creationId xmlns:p14="http://schemas.microsoft.com/office/powerpoint/2010/main" val="1632183245"/>
-      </p:ext>
-    </p:extLst>
-  </p:cSld>
-  <p:clrMapOvr>
-    <a:masterClrMapping/>
-  </p:clrMapOvr>
-</p:sld>
-</file>
-
-<file path=ppt/slides/slide15.xml><?xml version="1.0" encoding="utf-8"?>
-<p:sld xmlns:a="http://schemas.openxmlformats.org/drawingml/2006/main" xmlns:r="http://schemas.openxmlformats.org/officeDocument/2006/relationships" xmlns:p="http://schemas.openxmlformats.org/presentationml/2006/main">
-  <p:cSld>
-    <p:spTree>
-      <p:nvGrpSpPr>
-        <p:cNvPr id="1" name=""/>
-        <p:cNvGrpSpPr/>
-        <p:nvPr/>
-      </p:nvGrpSpPr>
-      <p:grpSpPr>
-        <a:xfrm>
-          <a:off x="0" y="0"/>
-          <a:ext cx="0" cy="0"/>
-          <a:chOff x="0" y="0"/>
-          <a:chExt cx="0" cy="0"/>
-        </a:xfrm>
-      </p:grpSpPr>
-      <p:sp>
-        <p:nvSpPr>
-          <p:cNvPr id="2" name="Titre 1"/>
-          <p:cNvSpPr>
-            <a:spLocks noGrp="1"/>
-          </p:cNvSpPr>
-          <p:nvPr>
-            <p:ph type="title"/>
-          </p:nvPr>
-        </p:nvSpPr>
-        <p:spPr/>
-        <p:txBody>
-          <a:bodyPr/>
-          <a:lstStyle/>
-          <a:p>
-            <a:r>
-              <a:rPr lang="fr-FR" dirty="0" smtClean="0"/>
-              <a:t>Les classes TS</a:t>
-            </a:r>
-            <a:endParaRPr lang="fr-FR" dirty="0"/>
-          </a:p>
-        </p:txBody>
-      </p:sp>
-      <p:sp>
-        <p:nvSpPr>
-          <p:cNvPr id="3" name="Espace réservé du contenu 2"/>
-          <p:cNvSpPr>
-            <a:spLocks noGrp="1"/>
-          </p:cNvSpPr>
-          <p:nvPr>
-            <p:ph idx="1"/>
-          </p:nvPr>
-        </p:nvSpPr>
-        <p:spPr/>
-        <p:txBody>
-          <a:bodyPr/>
-          <a:lstStyle/>
-          <a:p>
-            <a:r>
-              <a:rPr lang="fr-FR" dirty="0" smtClean="0"/>
-              <a:t>Création d’une classe simple TS</a:t>
-            </a:r>
-            <a:endParaRPr lang="fr-FR" dirty="0"/>
-          </a:p>
-          <a:p>
-            <a:r>
-              <a:rPr lang="fr-FR" dirty="0" smtClean="0"/>
-              <a:t>Directement lise dans </a:t>
-            </a:r>
-            <a:r>
-              <a:rPr lang="fr-FR" dirty="0" err="1" smtClean="0"/>
-              <a:t>app</a:t>
-            </a:r>
-            <a:r>
-              <a:rPr lang="fr-FR" dirty="0" smtClean="0"/>
-              <a:t> pour être réutilisée dans tous les composants</a:t>
-            </a:r>
-          </a:p>
-          <a:p>
-            <a:endParaRPr lang="fr-FR" dirty="0"/>
-          </a:p>
-          <a:p>
-            <a:endParaRPr lang="fr-FR" dirty="0" smtClean="0"/>
-          </a:p>
-          <a:p>
-            <a:endParaRPr lang="fr-FR" dirty="0"/>
-          </a:p>
-          <a:p>
-            <a:endParaRPr lang="fr-FR" dirty="0" smtClean="0"/>
-          </a:p>
-          <a:p>
-            <a:r>
-              <a:rPr lang="fr-FR" dirty="0" smtClean="0"/>
-              <a:t>L’import</a:t>
-            </a:r>
-          </a:p>
-          <a:p>
-            <a:pPr lvl="1"/>
-            <a:r>
-              <a:rPr lang="fr-FR" dirty="0" smtClean="0"/>
-              <a:t>Import </a:t>
-            </a:r>
-            <a:r>
-              <a:rPr lang="fr-FR" dirty="0"/>
-              <a:t>{ </a:t>
-            </a:r>
-            <a:r>
-              <a:rPr lang="fr-FR" dirty="0" err="1"/>
-              <a:t>Hero</a:t>
-            </a:r>
-            <a:r>
-              <a:rPr lang="fr-FR" dirty="0"/>
-              <a:t> } </a:t>
-            </a:r>
-            <a:r>
-              <a:rPr lang="fr-FR" dirty="0" err="1"/>
-              <a:t>from</a:t>
-            </a:r>
-            <a:r>
-              <a:rPr lang="fr-FR" dirty="0"/>
-              <a:t> '../</a:t>
-            </a:r>
-            <a:r>
-              <a:rPr lang="fr-FR" dirty="0" err="1"/>
-              <a:t>hero</a:t>
-            </a:r>
-            <a:r>
-              <a:rPr lang="fr-FR" dirty="0"/>
-              <a:t>';</a:t>
-            </a:r>
-          </a:p>
-        </p:txBody>
-      </p:sp>
-      <p:pic>
-        <p:nvPicPr>
-          <p:cNvPr id="4" name="Image 3"/>
-          <p:cNvPicPr>
-            <a:picLocks noChangeAspect="1"/>
-          </p:cNvPicPr>
-          <p:nvPr/>
-        </p:nvPicPr>
-        <p:blipFill>
-          <a:blip r:embed="rId2"/>
-          <a:stretch>
-            <a:fillRect/>
-          </a:stretch>
-        </p:blipFill>
-        <p:spPr>
-          <a:xfrm>
-            <a:off x="3131840" y="3068960"/>
-            <a:ext cx="2408950" cy="1967309"/>
-          </a:xfrm>
-          <a:prstGeom prst="rect">
-            <a:avLst/>
-          </a:prstGeom>
-        </p:spPr>
-      </p:pic>
-    </p:spTree>
-    <p:extLst>
-      <p:ext uri="{BB962C8B-B14F-4D97-AF65-F5344CB8AC3E}">
-        <p14:creationId xmlns:p14="http://schemas.microsoft.com/office/powerpoint/2010/main" val="585294245"/>
-      </p:ext>
-    </p:extLst>
-  </p:cSld>
-  <p:clrMapOvr>
-    <a:masterClrMapping/>
-  </p:clrMapOvr>
-</p:sld>
-</file>
-
-<file path=ppt/slides/slide16.xml><?xml version="1.0" encoding="utf-8"?>
-<p:sld xmlns:a="http://schemas.openxmlformats.org/drawingml/2006/main" xmlns:r="http://schemas.openxmlformats.org/officeDocument/2006/relationships" xmlns:p="http://schemas.openxmlformats.org/presentationml/2006/main">
-  <p:cSld>
-    <p:spTree>
-      <p:nvGrpSpPr>
-        <p:cNvPr id="1" name=""/>
-        <p:cNvGrpSpPr/>
-        <p:nvPr/>
-      </p:nvGrpSpPr>
-      <p:grpSpPr>
-        <a:xfrm>
-          <a:off x="0" y="0"/>
-          <a:ext cx="0" cy="0"/>
-          <a:chOff x="0" y="0"/>
-          <a:chExt cx="0" cy="0"/>
-        </a:xfrm>
-      </p:grpSpPr>
-      <p:sp>
-        <p:nvSpPr>
-          <p:cNvPr id="2" name="Titre 1"/>
-          <p:cNvSpPr>
-            <a:spLocks noGrp="1"/>
-          </p:cNvSpPr>
-          <p:nvPr>
-            <p:ph type="title"/>
-          </p:nvPr>
-        </p:nvSpPr>
-        <p:spPr/>
-        <p:txBody>
-          <a:bodyPr/>
-          <a:lstStyle/>
-          <a:p>
-            <a:r>
-              <a:rPr lang="fr-FR" dirty="0" err="1" smtClean="0"/>
-              <a:t>Instantiation</a:t>
-            </a:r>
-            <a:r>
-              <a:rPr lang="fr-FR" dirty="0" smtClean="0"/>
-              <a:t> JSON</a:t>
-            </a:r>
-            <a:endParaRPr lang="fr-FR" dirty="0"/>
-          </a:p>
-        </p:txBody>
-      </p:sp>
-      <p:sp>
-        <p:nvSpPr>
-          <p:cNvPr id="3" name="Espace réservé du contenu 2"/>
-          <p:cNvSpPr>
-            <a:spLocks noGrp="1"/>
-          </p:cNvSpPr>
-          <p:nvPr>
-            <p:ph idx="1"/>
-          </p:nvPr>
-        </p:nvSpPr>
-        <p:spPr/>
-        <p:txBody>
-          <a:bodyPr/>
-          <a:lstStyle/>
-          <a:p>
-            <a:r>
-              <a:rPr lang="fr-FR" dirty="0" smtClean="0"/>
-              <a:t>Il est possible d’</a:t>
-            </a:r>
-            <a:r>
-              <a:rPr lang="fr-FR" dirty="0" err="1" smtClean="0"/>
-              <a:t>instantier</a:t>
-            </a:r>
-            <a:r>
-              <a:rPr lang="fr-FR" dirty="0" smtClean="0"/>
-              <a:t> une classe avec une écriture JSON</a:t>
-            </a:r>
-          </a:p>
-          <a:p>
-            <a:endParaRPr lang="fr-FR" dirty="0"/>
-          </a:p>
-        </p:txBody>
-      </p:sp>
-      <p:pic>
-        <p:nvPicPr>
-          <p:cNvPr id="4" name="Image 3"/>
-          <p:cNvPicPr>
-            <a:picLocks noChangeAspect="1"/>
-          </p:cNvPicPr>
-          <p:nvPr/>
-        </p:nvPicPr>
-        <p:blipFill>
-          <a:blip r:embed="rId2"/>
-          <a:stretch>
-            <a:fillRect/>
-          </a:stretch>
-        </p:blipFill>
-        <p:spPr>
-          <a:xfrm>
-            <a:off x="2771984" y="2924944"/>
-            <a:ext cx="2852553" cy="1691630"/>
-          </a:xfrm>
-          <a:prstGeom prst="rect">
-            <a:avLst/>
-          </a:prstGeom>
-        </p:spPr>
-      </p:pic>
-    </p:spTree>
-    <p:extLst>
-      <p:ext uri="{BB962C8B-B14F-4D97-AF65-F5344CB8AC3E}">
-        <p14:creationId xmlns:p14="http://schemas.microsoft.com/office/powerpoint/2010/main" val="3178188165"/>
-      </p:ext>
-    </p:extLst>
-  </p:cSld>
-  <p:clrMapOvr>
-    <a:masterClrMapping/>
-  </p:clrMapOvr>
-</p:sld>
-</file>
-
-<file path=ppt/slides/slide2.xml><?xml version="1.0" encoding="utf-8"?>
-<p:sld xmlns:a="http://schemas.openxmlformats.org/drawingml/2006/main" xmlns:r="http://schemas.openxmlformats.org/officeDocument/2006/relationships" xmlns:p="http://schemas.openxmlformats.org/presentationml/2006/main">
-  <p:cSld>
-    <p:spTree>
-      <p:nvGrpSpPr>
-        <p:cNvPr id="1" name=""/>
-        <p:cNvGrpSpPr/>
-        <p:nvPr/>
-      </p:nvGrpSpPr>
-      <p:grpSpPr>
-        <a:xfrm>
-          <a:off x="0" y="0"/>
-          <a:ext cx="0" cy="0"/>
-          <a:chOff x="0" y="0"/>
-          <a:chExt cx="0" cy="0"/>
-        </a:xfrm>
-      </p:grpSpPr>
-      <p:sp>
-        <p:nvSpPr>
-          <p:cNvPr id="2" name="Titre 1"/>
-          <p:cNvSpPr>
-            <a:spLocks noGrp="1"/>
-          </p:cNvSpPr>
-          <p:nvPr>
-            <p:ph type="title"/>
-          </p:nvPr>
-        </p:nvSpPr>
-        <p:spPr/>
-        <p:txBody>
-          <a:bodyPr/>
-          <a:lstStyle/>
-          <a:p>
-            <a:r>
-              <a:rPr lang="fr-FR" dirty="0" smtClean="0"/>
-              <a:t>Composants</a:t>
-            </a:r>
-            <a:endParaRPr lang="fr-FR" dirty="0"/>
-          </a:p>
-        </p:txBody>
-      </p:sp>
-      <p:sp>
-        <p:nvSpPr>
-          <p:cNvPr id="3" name="Espace réservé du contenu 2"/>
-          <p:cNvSpPr>
-            <a:spLocks noGrp="1"/>
-          </p:cNvSpPr>
-          <p:nvPr>
-            <p:ph idx="1"/>
-          </p:nvPr>
-        </p:nvSpPr>
-        <p:spPr/>
-        <p:txBody>
-          <a:bodyPr/>
-          <a:lstStyle/>
-          <a:p>
-            <a:r>
-              <a:rPr lang="fr-FR" dirty="0" smtClean="0"/>
-              <a:t>Programmation orientée composant</a:t>
-            </a:r>
-          </a:p>
-          <a:p>
-            <a:r>
-              <a:rPr lang="fr-FR" dirty="0" smtClean="0"/>
-              <a:t>Chaque composant possède</a:t>
-            </a:r>
-          </a:p>
-          <a:p>
-            <a:pPr lvl="1"/>
-            <a:r>
-              <a:rPr lang="fr-FR" dirty="0" smtClean="0"/>
-              <a:t>Une classe</a:t>
-            </a:r>
-          </a:p>
-          <a:p>
-            <a:pPr lvl="1"/>
-            <a:r>
-              <a:rPr lang="fr-FR" dirty="0" smtClean="0"/>
-              <a:t>Une vue </a:t>
-            </a:r>
-            <a:r>
-              <a:rPr lang="fr-FR" dirty="0" smtClean="0"/>
-              <a:t>HTML (</a:t>
-            </a:r>
-            <a:r>
-              <a:rPr lang="fr-FR" dirty="0" err="1" smtClean="0"/>
-              <a:t>template</a:t>
-            </a:r>
-            <a:r>
-              <a:rPr lang="fr-FR" dirty="0" smtClean="0"/>
-              <a:t>)</a:t>
-            </a:r>
-            <a:endParaRPr lang="fr-FR" dirty="0" smtClean="0"/>
-          </a:p>
-          <a:p>
-            <a:pPr lvl="1"/>
-            <a:r>
-              <a:rPr lang="fr-FR" dirty="0" smtClean="0"/>
-              <a:t>Une CSS</a:t>
-            </a:r>
-          </a:p>
-          <a:p>
-            <a:pPr lvl="1"/>
-            <a:endParaRPr lang="fr-FR" dirty="0"/>
-          </a:p>
-        </p:txBody>
-      </p:sp>
-    </p:spTree>
-    <p:extLst>
-      <p:ext uri="{BB962C8B-B14F-4D97-AF65-F5344CB8AC3E}">
-        <p14:creationId xmlns:p14="http://schemas.microsoft.com/office/powerpoint/2010/main" val="1058257015"/>
-      </p:ext>
-    </p:extLst>
-  </p:cSld>
-  <p:clrMapOvr>
-    <a:masterClrMapping/>
-  </p:clrMapOvr>
-</p:sld>
-</file>
-
-<file path=ppt/slides/slide3.xml><?xml version="1.0" encoding="utf-8"?>
-<p:sld xmlns:a="http://schemas.openxmlformats.org/drawingml/2006/main" xmlns:r="http://schemas.openxmlformats.org/officeDocument/2006/relationships" xmlns:p="http://schemas.openxmlformats.org/presentationml/2006/main">
-  <p:cSld>
-    <p:spTree>
-      <p:nvGrpSpPr>
-        <p:cNvPr id="1" name=""/>
-        <p:cNvGrpSpPr/>
-        <p:nvPr/>
-      </p:nvGrpSpPr>
-      <p:grpSpPr>
-        <a:xfrm>
-          <a:off x="0" y="0"/>
-          <a:ext cx="0" cy="0"/>
-          <a:chOff x="0" y="0"/>
-          <a:chExt cx="0" cy="0"/>
-        </a:xfrm>
-      </p:grpSpPr>
-      <p:sp>
-        <p:nvSpPr>
-          <p:cNvPr id="2" name="Titre 1"/>
-          <p:cNvSpPr>
-            <a:spLocks noGrp="1"/>
-          </p:cNvSpPr>
-          <p:nvPr>
-            <p:ph type="title"/>
-          </p:nvPr>
-        </p:nvSpPr>
-        <p:spPr/>
-        <p:txBody>
-          <a:bodyPr/>
-          <a:lstStyle/>
-          <a:p>
-            <a:r>
-              <a:rPr lang="fr-FR" dirty="0" smtClean="0"/>
-              <a:t>Architecture</a:t>
-            </a:r>
-            <a:endParaRPr lang="fr-FR" dirty="0"/>
-          </a:p>
-        </p:txBody>
-      </p:sp>
-      <p:sp>
-        <p:nvSpPr>
-          <p:cNvPr id="3" name="Espace réservé du contenu 2"/>
-          <p:cNvSpPr>
-            <a:spLocks noGrp="1"/>
-          </p:cNvSpPr>
-          <p:nvPr>
-            <p:ph idx="1"/>
-          </p:nvPr>
-        </p:nvSpPr>
-        <p:spPr/>
-        <p:txBody>
-          <a:bodyPr/>
-          <a:lstStyle/>
-          <a:p>
-            <a:endParaRPr lang="fr-FR"/>
-          </a:p>
-        </p:txBody>
-      </p:sp>
-      <p:pic>
-        <p:nvPicPr>
-          <p:cNvPr id="1026" name="Picture 2" descr="overview"/>
-          <p:cNvPicPr>
-            <a:picLocks noChangeAspect="1" noChangeArrowheads="1"/>
-          </p:cNvPicPr>
-          <p:nvPr/>
-        </p:nvPicPr>
-        <p:blipFill>
-          <a:blip r:embed="rId2">
-            <a:extLst>
-              <a:ext uri="{28A0092B-C50C-407E-A947-70E740481C1C}">
-                <a14:useLocalDpi xmlns:a14="http://schemas.microsoft.com/office/drawing/2010/main" val="0"/>
-              </a:ext>
-            </a:extLst>
-          </a:blip>
-          <a:srcRect/>
-          <a:stretch>
-            <a:fillRect/>
-          </a:stretch>
-        </p:blipFill>
-        <p:spPr bwMode="auto">
-          <a:xfrm>
-            <a:off x="172367" y="1389410"/>
-            <a:ext cx="8824448" cy="4487862"/>
-          </a:xfrm>
-          <a:prstGeom prst="rect">
-            <a:avLst/>
-          </a:prstGeom>
-          <a:noFill/>
-          <a:extLst>
-            <a:ext uri="{909E8E84-426E-40DD-AFC4-6F175D3DCCD1}">
-              <a14:hiddenFill xmlns:a14="http://schemas.microsoft.com/office/drawing/2010/main">
-                <a:solidFill>
-                  <a:srgbClr val="FFFFFF"/>
-                </a:solidFill>
-              </a14:hiddenFill>
-            </a:ext>
-          </a:extLst>
-        </p:spPr>
-      </p:pic>
-    </p:spTree>
-    <p:extLst>
-      <p:ext uri="{BB962C8B-B14F-4D97-AF65-F5344CB8AC3E}">
-        <p14:creationId xmlns:p14="http://schemas.microsoft.com/office/powerpoint/2010/main" val="2579369109"/>
-      </p:ext>
-    </p:extLst>
-  </p:cSld>
-  <p:clrMapOvr>
-    <a:masterClrMapping/>
-  </p:clrMapOvr>
-</p:sld>
-</file>
-
-<file path=ppt/slides/slide4.xml><?xml version="1.0" encoding="utf-8"?>
-<p:sld xmlns:a="http://schemas.openxmlformats.org/drawingml/2006/main" xmlns:r="http://schemas.openxmlformats.org/officeDocument/2006/relationships" xmlns:p="http://schemas.openxmlformats.org/presentationml/2006/main">
-  <p:cSld>
-    <p:spTree>
-      <p:nvGrpSpPr>
-        <p:cNvPr id="1" name=""/>
-        <p:cNvGrpSpPr/>
-        <p:nvPr/>
-      </p:nvGrpSpPr>
-      <p:grpSpPr>
-        <a:xfrm>
-          <a:off x="0" y="0"/>
-          <a:ext cx="0" cy="0"/>
-          <a:chOff x="0" y="0"/>
-          <a:chExt cx="0" cy="0"/>
-        </a:xfrm>
-      </p:grpSpPr>
-      <p:sp>
-        <p:nvSpPr>
-          <p:cNvPr id="2" name="Titre 1"/>
-          <p:cNvSpPr>
-            <a:spLocks noGrp="1"/>
-          </p:cNvSpPr>
-          <p:nvPr>
-            <p:ph type="title"/>
-          </p:nvPr>
-        </p:nvSpPr>
-        <p:spPr/>
-        <p:txBody>
-          <a:bodyPr/>
-          <a:lstStyle/>
-          <a:p>
-            <a:r>
-              <a:rPr lang="fr-FR" dirty="0" smtClean="0"/>
-              <a:t>Template</a:t>
-            </a:r>
-            <a:endParaRPr lang="fr-FR" dirty="0"/>
-          </a:p>
-        </p:txBody>
-      </p:sp>
-      <p:sp>
-        <p:nvSpPr>
-          <p:cNvPr id="3" name="Espace réservé du contenu 2"/>
-          <p:cNvSpPr>
-            <a:spLocks noGrp="1"/>
-          </p:cNvSpPr>
-          <p:nvPr>
-            <p:ph idx="1"/>
-          </p:nvPr>
-        </p:nvSpPr>
-        <p:spPr/>
-        <p:txBody>
-          <a:bodyPr/>
-          <a:lstStyle/>
-          <a:p>
-            <a:r>
-              <a:rPr lang="fr-FR" dirty="0" smtClean="0"/>
-              <a:t>Vue du composant</a:t>
-            </a:r>
-          </a:p>
-          <a:p>
-            <a:pPr lvl="1"/>
-            <a:r>
-              <a:rPr lang="fr-FR" dirty="0" smtClean="0"/>
-              <a:t>HTML</a:t>
-            </a:r>
-          </a:p>
-          <a:p>
-            <a:pPr lvl="1"/>
-            <a:r>
-              <a:rPr lang="fr-FR" dirty="0" smtClean="0"/>
-              <a:t>Mixera l'HTML </a:t>
-            </a:r>
-            <a:r>
-              <a:rPr lang="fr-FR" dirty="0" err="1" smtClean="0"/>
-              <a:t>root</a:t>
-            </a:r>
-            <a:r>
-              <a:rPr lang="fr-FR" dirty="0" smtClean="0"/>
-              <a:t> et les </a:t>
-            </a:r>
-            <a:r>
-              <a:rPr lang="fr-FR" dirty="0" err="1" smtClean="0"/>
-              <a:t>descandants</a:t>
-            </a:r>
-            <a:endParaRPr lang="fr-FR" dirty="0"/>
-          </a:p>
-        </p:txBody>
-      </p:sp>
-      <p:pic>
-        <p:nvPicPr>
-          <p:cNvPr id="3074" name="Picture 2" descr="Template"/>
-          <p:cNvPicPr>
-            <a:picLocks noChangeAspect="1" noChangeArrowheads="1"/>
-          </p:cNvPicPr>
-          <p:nvPr/>
-        </p:nvPicPr>
-        <p:blipFill>
-          <a:blip r:embed="rId2">
-            <a:extLst>
-              <a:ext uri="{28A0092B-C50C-407E-A947-70E740481C1C}">
-                <a14:useLocalDpi xmlns:a14="http://schemas.microsoft.com/office/drawing/2010/main" val="0"/>
-              </a:ext>
-            </a:extLst>
-          </a:blip>
-          <a:srcRect/>
-          <a:stretch>
-            <a:fillRect/>
-          </a:stretch>
-        </p:blipFill>
-        <p:spPr bwMode="auto">
-          <a:xfrm>
-            <a:off x="5856961" y="764704"/>
-            <a:ext cx="2779256" cy="1584176"/>
-          </a:xfrm>
-          <a:prstGeom prst="rect">
-            <a:avLst/>
-          </a:prstGeom>
-          <a:noFill/>
-          <a:extLst>
-            <a:ext uri="{909E8E84-426E-40DD-AFC4-6F175D3DCCD1}">
-              <a14:hiddenFill xmlns:a14="http://schemas.microsoft.com/office/drawing/2010/main">
-                <a:solidFill>
-                  <a:srgbClr val="FFFFFF"/>
-                </a:solidFill>
-              </a14:hiddenFill>
-            </a:ext>
-          </a:extLst>
-        </p:spPr>
-      </p:pic>
-      <p:pic>
-        <p:nvPicPr>
-          <p:cNvPr id="3076" name="Picture 4" descr="Component tree"/>
-          <p:cNvPicPr>
-            <a:picLocks noChangeAspect="1" noChangeArrowheads="1"/>
-          </p:cNvPicPr>
-          <p:nvPr/>
-        </p:nvPicPr>
-        <p:blipFill>
-          <a:blip r:embed="rId3">
-            <a:extLst>
-              <a:ext uri="{28A0092B-C50C-407E-A947-70E740481C1C}">
-                <a14:useLocalDpi xmlns:a14="http://schemas.microsoft.com/office/drawing/2010/main" val="0"/>
-              </a:ext>
-            </a:extLst>
-          </a:blip>
-          <a:srcRect/>
-          <a:stretch>
-            <a:fillRect/>
-          </a:stretch>
-        </p:blipFill>
-        <p:spPr bwMode="auto">
-          <a:xfrm>
-            <a:off x="1187624" y="2832918"/>
-            <a:ext cx="4680520" cy="3604000"/>
-          </a:xfrm>
-          <a:prstGeom prst="rect">
-            <a:avLst/>
-          </a:prstGeom>
-          <a:noFill/>
-          <a:extLst>
-            <a:ext uri="{909E8E84-426E-40DD-AFC4-6F175D3DCCD1}">
-              <a14:hiddenFill xmlns:a14="http://schemas.microsoft.com/office/drawing/2010/main">
-                <a:solidFill>
-                  <a:srgbClr val="FFFFFF"/>
-                </a:solidFill>
-              </a14:hiddenFill>
-            </a:ext>
-          </a:extLst>
-        </p:spPr>
-      </p:pic>
-    </p:spTree>
-    <p:extLst>
-      <p:ext uri="{BB962C8B-B14F-4D97-AF65-F5344CB8AC3E}">
-        <p14:creationId xmlns:p14="http://schemas.microsoft.com/office/powerpoint/2010/main" val="1813696902"/>
-      </p:ext>
-    </p:extLst>
-  </p:cSld>
-  <p:clrMapOvr>
-    <a:masterClrMapping/>
-  </p:clrMapOvr>
-</p:sld>
-</file>
-
-<file path=ppt/slides/slide5.xml><?xml version="1.0" encoding="utf-8"?>
-<p:sld xmlns:a="http://schemas.openxmlformats.org/drawingml/2006/main" xmlns:r="http://schemas.openxmlformats.org/officeDocument/2006/relationships" xmlns:p="http://schemas.openxmlformats.org/presentationml/2006/main">
-  <p:cSld>
-    <p:spTree>
-      <p:nvGrpSpPr>
-        <p:cNvPr id="1" name=""/>
-        <p:cNvGrpSpPr/>
-        <p:nvPr/>
-      </p:nvGrpSpPr>
-      <p:grpSpPr>
-        <a:xfrm>
-          <a:off x="0" y="0"/>
-          <a:ext cx="0" cy="0"/>
-          <a:chOff x="0" y="0"/>
-          <a:chExt cx="0" cy="0"/>
-        </a:xfrm>
-      </p:grpSpPr>
-      <p:sp>
-        <p:nvSpPr>
-          <p:cNvPr id="2" name="Titre 1"/>
-          <p:cNvSpPr>
-            <a:spLocks noGrp="1"/>
-          </p:cNvSpPr>
-          <p:nvPr>
-            <p:ph type="title"/>
-          </p:nvPr>
-        </p:nvSpPr>
-        <p:spPr/>
-        <p:txBody>
-          <a:bodyPr/>
-          <a:lstStyle/>
-          <a:p>
-            <a:r>
-              <a:rPr lang="fr-FR" dirty="0" smtClean="0"/>
-              <a:t>Premier script TS</a:t>
-            </a:r>
-            <a:endParaRPr lang="fr-FR" dirty="0"/>
-          </a:p>
-        </p:txBody>
-      </p:sp>
-      <p:sp>
-        <p:nvSpPr>
-          <p:cNvPr id="3" name="Espace réservé du contenu 2"/>
-          <p:cNvSpPr>
-            <a:spLocks noGrp="1"/>
-          </p:cNvSpPr>
-          <p:nvPr>
-            <p:ph idx="1"/>
-          </p:nvPr>
-        </p:nvSpPr>
-        <p:spPr>
-          <a:xfrm>
-            <a:off x="179510" y="3022148"/>
-            <a:ext cx="8766051" cy="3528392"/>
-          </a:xfrm>
-        </p:spPr>
-        <p:txBody>
-          <a:bodyPr/>
-          <a:lstStyle/>
-          <a:p>
-            <a:r>
-              <a:rPr lang="fr-FR" dirty="0" smtClean="0"/>
-              <a:t>Import</a:t>
-            </a:r>
-          </a:p>
-          <a:p>
-            <a:r>
-              <a:rPr lang="fr-FR" dirty="0" smtClean="0"/>
-              <a:t>Component</a:t>
-            </a:r>
-          </a:p>
-          <a:p>
-            <a:pPr lvl="1"/>
-            <a:r>
-              <a:rPr lang="fr-FR" dirty="0" smtClean="0"/>
-              <a:t>Fonction qui contient notre premier composant</a:t>
-            </a:r>
-          </a:p>
-          <a:p>
-            <a:pPr lvl="1"/>
-            <a:r>
-              <a:rPr lang="fr-FR" dirty="0" smtClean="0"/>
-              <a:t>Les composants sont les principales entités de </a:t>
-            </a:r>
-            <a:r>
-              <a:rPr lang="fr-FR" dirty="0" err="1" smtClean="0"/>
-              <a:t>Angular</a:t>
-            </a:r>
-            <a:endParaRPr lang="fr-FR" dirty="0"/>
-          </a:p>
-        </p:txBody>
-      </p:sp>
-      <p:pic>
-        <p:nvPicPr>
-          <p:cNvPr id="4" name="Image 3"/>
-          <p:cNvPicPr>
-            <a:picLocks noChangeAspect="1"/>
-          </p:cNvPicPr>
-          <p:nvPr/>
-        </p:nvPicPr>
-        <p:blipFill>
-          <a:blip r:embed="rId2"/>
-          <a:stretch>
-            <a:fillRect/>
-          </a:stretch>
-        </p:blipFill>
-        <p:spPr>
-          <a:xfrm>
-            <a:off x="327495" y="1412776"/>
-            <a:ext cx="8470083" cy="1359396"/>
-          </a:xfrm>
-          <a:prstGeom prst="rect">
-            <a:avLst/>
-          </a:prstGeom>
-        </p:spPr>
-      </p:pic>
-    </p:spTree>
-    <p:extLst>
-      <p:ext uri="{BB962C8B-B14F-4D97-AF65-F5344CB8AC3E}">
-        <p14:creationId xmlns:p14="http://schemas.microsoft.com/office/powerpoint/2010/main" val="2142501514"/>
-      </p:ext>
-    </p:extLst>
-  </p:cSld>
-  <p:clrMapOvr>
-    <a:masterClrMapping/>
-  </p:clrMapOvr>
-</p:sld>
-</file>
-
-<file path=ppt/slides/slide6.xml><?xml version="1.0" encoding="utf-8"?>
-<p:sld xmlns:a="http://schemas.openxmlformats.org/drawingml/2006/main" xmlns:r="http://schemas.openxmlformats.org/officeDocument/2006/relationships" xmlns:p="http://schemas.openxmlformats.org/presentationml/2006/main">
-  <p:cSld>
-    <p:spTree>
-      <p:nvGrpSpPr>
-        <p:cNvPr id="1" name=""/>
-        <p:cNvGrpSpPr/>
-        <p:nvPr/>
-      </p:nvGrpSpPr>
-      <p:grpSpPr>
-        <a:xfrm>
-          <a:off x="0" y="0"/>
-          <a:ext cx="0" cy="0"/>
-          <a:chOff x="0" y="0"/>
-          <a:chExt cx="0" cy="0"/>
-        </a:xfrm>
-      </p:grpSpPr>
-      <p:sp>
-        <p:nvSpPr>
-          <p:cNvPr id="2" name="Titre 1"/>
-          <p:cNvSpPr>
-            <a:spLocks noGrp="1"/>
-          </p:cNvSpPr>
-          <p:nvPr>
-            <p:ph type="title"/>
-          </p:nvPr>
-        </p:nvSpPr>
-        <p:spPr/>
-        <p:txBody>
-          <a:bodyPr/>
-          <a:lstStyle/>
-          <a:p>
-            <a:r>
-              <a:rPr lang="fr-FR" dirty="0" smtClean="0"/>
-              <a:t>Premier composant</a:t>
-            </a:r>
-            <a:endParaRPr lang="fr-FR" dirty="0"/>
-          </a:p>
-        </p:txBody>
-      </p:sp>
-      <p:sp>
-        <p:nvSpPr>
-          <p:cNvPr id="3" name="Espace réservé du contenu 2"/>
-          <p:cNvSpPr>
-            <a:spLocks noGrp="1"/>
-          </p:cNvSpPr>
-          <p:nvPr>
-            <p:ph idx="1"/>
-          </p:nvPr>
-        </p:nvSpPr>
-        <p:spPr/>
-        <p:txBody>
-          <a:bodyPr/>
-          <a:lstStyle/>
-          <a:p>
-            <a:r>
-              <a:rPr lang="fr-FR" dirty="0" smtClean="0"/>
-              <a:t>Un décorateur @ est une </a:t>
-            </a:r>
-            <a:r>
-              <a:rPr lang="fr-FR" dirty="0" err="1" smtClean="0"/>
-              <a:t>meta</a:t>
-            </a:r>
-            <a:r>
-              <a:rPr lang="fr-FR" dirty="0" smtClean="0"/>
-              <a:t> commande TS qui indique une sémantique spéciale</a:t>
-            </a:r>
-          </a:p>
-          <a:p>
-            <a:r>
-              <a:rPr lang="fr-FR" dirty="0" smtClean="0"/>
-              <a:t>@</a:t>
-            </a:r>
-            <a:r>
-              <a:rPr lang="fr-FR" dirty="0" err="1" smtClean="0"/>
-              <a:t>Componant</a:t>
-            </a:r>
-            <a:r>
-              <a:rPr lang="fr-FR" dirty="0" smtClean="0"/>
-              <a:t> indique que la classe est un composant</a:t>
-            </a:r>
-          </a:p>
-        </p:txBody>
-      </p:sp>
-      <p:pic>
-        <p:nvPicPr>
-          <p:cNvPr id="4" name="Image 3"/>
-          <p:cNvPicPr>
-            <a:picLocks noChangeAspect="1"/>
-          </p:cNvPicPr>
-          <p:nvPr/>
-        </p:nvPicPr>
-        <p:blipFill>
-          <a:blip r:embed="rId2"/>
-          <a:stretch>
-            <a:fillRect/>
-          </a:stretch>
-        </p:blipFill>
-        <p:spPr>
-          <a:xfrm>
-            <a:off x="-31976" y="3795467"/>
-            <a:ext cx="9175976" cy="2657869"/>
-          </a:xfrm>
-          <a:prstGeom prst="rect">
-            <a:avLst/>
-          </a:prstGeom>
-        </p:spPr>
-      </p:pic>
-    </p:spTree>
-    <p:extLst>
-      <p:ext uri="{BB962C8B-B14F-4D97-AF65-F5344CB8AC3E}">
-        <p14:creationId xmlns:p14="http://schemas.microsoft.com/office/powerpoint/2010/main" val="978170711"/>
-      </p:ext>
-    </p:extLst>
-  </p:cSld>
-  <p:clrMapOvr>
-    <a:masterClrMapping/>
-  </p:clrMapOvr>
-</p:sld>
-</file>
-
-<file path=ppt/slides/slide7.xml><?xml version="1.0" encoding="utf-8"?>
-<p:sld xmlns:a="http://schemas.openxmlformats.org/drawingml/2006/main" xmlns:r="http://schemas.openxmlformats.org/officeDocument/2006/relationships" xmlns:p="http://schemas.openxmlformats.org/presentationml/2006/main">
-  <p:cSld>
-    <p:spTree>
-      <p:nvGrpSpPr>
-        <p:cNvPr id="1" name=""/>
-        <p:cNvGrpSpPr/>
-        <p:nvPr/>
-      </p:nvGrpSpPr>
-      <p:grpSpPr>
-        <a:xfrm>
-          <a:off x="0" y="0"/>
-          <a:ext cx="0" cy="0"/>
-          <a:chOff x="0" y="0"/>
-          <a:chExt cx="0" cy="0"/>
-        </a:xfrm>
-      </p:grpSpPr>
-      <p:sp>
-        <p:nvSpPr>
-          <p:cNvPr id="2" name="Titre 1"/>
-          <p:cNvSpPr>
-            <a:spLocks noGrp="1"/>
-          </p:cNvSpPr>
-          <p:nvPr>
-            <p:ph type="title"/>
-          </p:nvPr>
-        </p:nvSpPr>
-        <p:spPr/>
-        <p:txBody>
-          <a:bodyPr/>
-          <a:lstStyle/>
-          <a:p>
-            <a:r>
-              <a:rPr lang="fr-FR" dirty="0" err="1" smtClean="0"/>
-              <a:t>Ng</a:t>
-            </a:r>
-            <a:r>
-              <a:rPr lang="fr-FR" dirty="0" smtClean="0"/>
-              <a:t> </a:t>
-            </a:r>
-            <a:r>
-              <a:rPr lang="fr-FR" dirty="0" err="1" smtClean="0"/>
-              <a:t>generate</a:t>
-            </a:r>
-            <a:endParaRPr lang="fr-FR" dirty="0"/>
-          </a:p>
-        </p:txBody>
-      </p:sp>
-      <p:sp>
-        <p:nvSpPr>
-          <p:cNvPr id="3" name="Espace réservé du contenu 2"/>
-          <p:cNvSpPr>
-            <a:spLocks noGrp="1"/>
-          </p:cNvSpPr>
-          <p:nvPr>
-            <p:ph idx="1"/>
-          </p:nvPr>
-        </p:nvSpPr>
-        <p:spPr/>
-        <p:txBody>
-          <a:bodyPr/>
-          <a:lstStyle/>
-          <a:p>
-            <a:r>
-              <a:rPr lang="fr-FR" dirty="0" smtClean="0"/>
-              <a:t>Afin d’éviter la saisie du code des 3 fichiers .html, .</a:t>
-            </a:r>
-            <a:r>
-              <a:rPr lang="fr-FR" dirty="0" err="1" smtClean="0"/>
-              <a:t>css</a:t>
-            </a:r>
-            <a:r>
-              <a:rPr lang="fr-FR" dirty="0" smtClean="0"/>
-              <a:t> et .</a:t>
-            </a:r>
-            <a:r>
-              <a:rPr lang="fr-FR" dirty="0" err="1" smtClean="0"/>
-              <a:t>ts</a:t>
-            </a:r>
-            <a:r>
-              <a:rPr lang="fr-FR" dirty="0" smtClean="0"/>
-              <a:t> une commande a été créée</a:t>
-            </a:r>
-          </a:p>
-          <a:p>
-            <a:r>
-              <a:rPr lang="fr-FR" dirty="0" err="1" smtClean="0"/>
-              <a:t>Ng</a:t>
-            </a:r>
-            <a:r>
-              <a:rPr lang="fr-FR" dirty="0" smtClean="0"/>
-              <a:t> </a:t>
-            </a:r>
-            <a:r>
-              <a:rPr lang="fr-FR" dirty="0" err="1" smtClean="0"/>
-              <a:t>generate</a:t>
-            </a:r>
-            <a:r>
-              <a:rPr lang="fr-FR" dirty="0" smtClean="0"/>
-              <a:t> component </a:t>
-            </a:r>
-            <a:r>
-              <a:rPr lang="fr-FR" dirty="0" err="1" smtClean="0"/>
-              <a:t>nomDuComposant</a:t>
-            </a:r>
-            <a:endParaRPr lang="fr-FR" dirty="0" smtClean="0"/>
-          </a:p>
-          <a:p>
-            <a:r>
-              <a:rPr lang="fr-FR" dirty="0" smtClean="0"/>
-              <a:t>Exemple</a:t>
-            </a:r>
-          </a:p>
-          <a:p>
-            <a:pPr lvl="1"/>
-            <a:r>
-              <a:rPr lang="fr-FR" dirty="0" err="1"/>
-              <a:t>ng</a:t>
-            </a:r>
-            <a:r>
-              <a:rPr lang="fr-FR" dirty="0"/>
-              <a:t> </a:t>
-            </a:r>
-            <a:r>
-              <a:rPr lang="fr-FR" dirty="0" err="1"/>
-              <a:t>generate</a:t>
-            </a:r>
-            <a:r>
-              <a:rPr lang="fr-FR" dirty="0"/>
-              <a:t> component </a:t>
-            </a:r>
-            <a:r>
-              <a:rPr lang="fr-FR" dirty="0" err="1" smtClean="0"/>
-              <a:t>heroes</a:t>
-            </a:r>
-            <a:endParaRPr lang="fr-FR" dirty="0" smtClean="0"/>
-          </a:p>
-          <a:p>
-            <a:pPr lvl="1"/>
-            <a:r>
-              <a:rPr lang="fr-FR" dirty="0" smtClean="0"/>
-              <a:t>Génère les 3 fichiers</a:t>
-            </a:r>
-          </a:p>
-          <a:p>
-            <a:pPr lvl="1"/>
-            <a:r>
-              <a:rPr lang="fr-FR" dirty="0" smtClean="0"/>
-              <a:t>Avec du code</a:t>
-            </a:r>
-          </a:p>
-          <a:p>
-            <a:pPr lvl="1"/>
-            <a:r>
-              <a:rPr lang="fr-FR" dirty="0" smtClean="0"/>
-              <a:t>Dans le répertoire </a:t>
-            </a:r>
-            <a:r>
-              <a:rPr lang="fr-FR" dirty="0" err="1" smtClean="0"/>
-              <a:t>heroes</a:t>
-            </a:r>
-            <a:endParaRPr lang="fr-FR" dirty="0"/>
-          </a:p>
-        </p:txBody>
-      </p:sp>
-    </p:spTree>
-    <p:extLst>
-      <p:ext uri="{BB962C8B-B14F-4D97-AF65-F5344CB8AC3E}">
-        <p14:creationId xmlns:p14="http://schemas.microsoft.com/office/powerpoint/2010/main" val="2025941972"/>
-      </p:ext>
-    </p:extLst>
-  </p:cSld>
-  <p:clrMapOvr>
-    <a:masterClrMapping/>
-  </p:clrMapOvr>
-</p:sld>
-</file>
-
-<file path=ppt/slides/slide8.xml><?xml version="1.0" encoding="utf-8"?>
-<p:sld xmlns:a="http://schemas.openxmlformats.org/drawingml/2006/main" xmlns:r="http://schemas.openxmlformats.org/officeDocument/2006/relationships" xmlns:p="http://schemas.openxmlformats.org/presentationml/2006/main">
-  <p:cSld>
-    <p:spTree>
-      <p:nvGrpSpPr>
-        <p:cNvPr id="1" name=""/>
-        <p:cNvGrpSpPr/>
-        <p:nvPr/>
-      </p:nvGrpSpPr>
-      <p:grpSpPr>
-        <a:xfrm>
-          <a:off x="0" y="0"/>
-          <a:ext cx="0" cy="0"/>
-          <a:chOff x="0" y="0"/>
-          <a:chExt cx="0" cy="0"/>
-        </a:xfrm>
-      </p:grpSpPr>
-      <p:sp>
-        <p:nvSpPr>
-          <p:cNvPr id="17410" name="Titre 1"/>
-          <p:cNvSpPr>
-            <a:spLocks noGrp="1"/>
-          </p:cNvSpPr>
-          <p:nvPr>
-            <p:ph type="title"/>
-          </p:nvPr>
-        </p:nvSpPr>
-        <p:spPr>
-          <a:xfrm>
-            <a:off x="1187450" y="12700"/>
-            <a:ext cx="7829550" cy="1143000"/>
-          </a:xfrm>
-        </p:spPr>
-        <p:txBody>
-          <a:bodyPr/>
-          <a:lstStyle/>
-          <a:p>
-            <a:r>
-              <a:rPr lang="fr-FR" altLang="fr-FR" smtClean="0"/>
-              <a:t>Modules </a:t>
-            </a:r>
-          </a:p>
-        </p:txBody>
-      </p:sp>
-      <p:sp>
-        <p:nvSpPr>
-          <p:cNvPr id="17411" name="Espace réservé du contenu 2"/>
-          <p:cNvSpPr>
-            <a:spLocks noGrp="1"/>
-          </p:cNvSpPr>
-          <p:nvPr>
-            <p:ph idx="1"/>
-          </p:nvPr>
-        </p:nvSpPr>
-        <p:spPr>
-          <a:xfrm>
-            <a:off x="179388" y="1412875"/>
-            <a:ext cx="8766175" cy="5040313"/>
-          </a:xfrm>
-        </p:spPr>
-        <p:txBody>
-          <a:bodyPr/>
-          <a:lstStyle/>
-          <a:p>
-            <a:r>
-              <a:rPr lang="fr-FR" altLang="fr-FR" dirty="0" smtClean="0"/>
-              <a:t>Fichiers contenants des composants et services</a:t>
-            </a:r>
-            <a:endParaRPr lang="fr-FR" altLang="fr-FR" dirty="0" smtClean="0"/>
-          </a:p>
-          <a:p>
-            <a:r>
-              <a:rPr lang="fr-FR" altLang="fr-FR" dirty="0" smtClean="0"/>
-              <a:t>Encapsulation TS</a:t>
-            </a:r>
-          </a:p>
-          <a:p>
-            <a:r>
-              <a:rPr lang="fr-FR" altLang="fr-FR" dirty="0" smtClean="0"/>
-              <a:t>Dépendances</a:t>
-            </a:r>
-          </a:p>
-          <a:p>
-            <a:r>
-              <a:rPr lang="fr-FR" altLang="fr-FR" dirty="0" err="1" smtClean="0"/>
-              <a:t>Angular</a:t>
-            </a:r>
-            <a:r>
-              <a:rPr lang="fr-FR" altLang="fr-FR" dirty="0" smtClean="0"/>
-              <a:t> doit avoir un module </a:t>
-            </a:r>
-            <a:r>
-              <a:rPr lang="fr-FR" altLang="fr-FR" dirty="0" err="1" smtClean="0"/>
-              <a:t>root</a:t>
-            </a:r>
-            <a:r>
-              <a:rPr lang="fr-FR" altLang="fr-FR" dirty="0" smtClean="0"/>
-              <a:t> qui démarre l’application</a:t>
-            </a:r>
-          </a:p>
-        </p:txBody>
-      </p:sp>
-      <p:pic>
-        <p:nvPicPr>
-          <p:cNvPr id="17412" name="Picture 2"/>
-          <p:cNvPicPr>
-            <a:picLocks noChangeAspect="1" noChangeArrowheads="1"/>
-          </p:cNvPicPr>
-          <p:nvPr/>
-        </p:nvPicPr>
-        <p:blipFill>
-          <a:blip r:embed="rId2">
-            <a:extLst>
-              <a:ext uri="{28A0092B-C50C-407E-A947-70E740481C1C}">
-                <a14:useLocalDpi xmlns:a14="http://schemas.microsoft.com/office/drawing/2010/main" val="0"/>
-              </a:ext>
-            </a:extLst>
-          </a:blip>
-          <a:srcRect/>
-          <a:stretch>
-            <a:fillRect/>
-          </a:stretch>
-        </p:blipFill>
-        <p:spPr bwMode="auto">
-          <a:xfrm>
-            <a:off x="6011863" y="188913"/>
-            <a:ext cx="638175" cy="723900"/>
-          </a:xfrm>
-          <a:prstGeom prst="rect">
-            <a:avLst/>
-          </a:prstGeom>
-          <a:noFill/>
-          <a:ln>
-            <a:noFill/>
-          </a:ln>
-          <a:extLst>
-            <a:ext uri="{909E8E84-426E-40DD-AFC4-6F175D3DCCD1}">
-              <a14:hiddenFill xmlns:a14="http://schemas.microsoft.com/office/drawing/2010/main">
-                <a:gradFill rotWithShape="0">
-                  <a:gsLst>
-                    <a:gs pos="0">
-                      <a:schemeClr val="accent1"/>
-                    </a:gs>
-                    <a:gs pos="100000">
-                      <a:schemeClr val="bg1"/>
-                    </a:gs>
-                  </a:gsLst>
-                  <a:lin ang="5400000" scaled="1"/>
-                </a:gradFill>
-              </a14:hiddenFill>
-            </a:ext>
-            <a:ext uri="{91240B29-F687-4F45-9708-019B960494DF}">
-              <a14:hiddenLine xmlns:a14="http://schemas.microsoft.com/office/drawing/2010/main" w="9525">
-                <a:solidFill>
-                  <a:schemeClr val="tx1"/>
-                </a:solidFill>
-                <a:miter lim="800000"/>
-                <a:headEnd/>
-                <a:tailEnd/>
-              </a14:hiddenLine>
-            </a:ext>
-          </a:extLst>
-        </p:spPr>
-      </p:pic>
-      <p:pic>
-        <p:nvPicPr>
-          <p:cNvPr id="17413" name="Picture 3"/>
-          <p:cNvPicPr>
-            <a:picLocks noChangeAspect="1" noChangeArrowheads="1"/>
-          </p:cNvPicPr>
-          <p:nvPr/>
-        </p:nvPicPr>
-        <p:blipFill>
-          <a:blip r:embed="rId3">
-            <a:extLst>
-              <a:ext uri="{28A0092B-C50C-407E-A947-70E740481C1C}">
-                <a14:useLocalDpi xmlns:a14="http://schemas.microsoft.com/office/drawing/2010/main" val="0"/>
-              </a:ext>
-            </a:extLst>
-          </a:blip>
-          <a:srcRect/>
-          <a:stretch>
-            <a:fillRect/>
-          </a:stretch>
-        </p:blipFill>
-        <p:spPr bwMode="auto">
-          <a:xfrm>
-            <a:off x="179388" y="4077072"/>
-            <a:ext cx="4181475" cy="1800225"/>
-          </a:xfrm>
-          <a:prstGeom prst="rect">
-            <a:avLst/>
-          </a:prstGeom>
-          <a:noFill/>
-          <a:ln>
-            <a:noFill/>
-          </a:ln>
-          <a:extLst>
-            <a:ext uri="{909E8E84-426E-40DD-AFC4-6F175D3DCCD1}">
-              <a14:hiddenFill xmlns:a14="http://schemas.microsoft.com/office/drawing/2010/main">
-                <a:gradFill rotWithShape="0">
-                  <a:gsLst>
-                    <a:gs pos="0">
-                      <a:schemeClr val="accent1"/>
-                    </a:gs>
-                    <a:gs pos="100000">
-                      <a:schemeClr val="bg1"/>
-                    </a:gs>
-                  </a:gsLst>
-                  <a:lin ang="5400000" scaled="1"/>
-                </a:gradFill>
-              </a14:hiddenFill>
-            </a:ext>
-            <a:ext uri="{91240B29-F687-4F45-9708-019B960494DF}">
-              <a14:hiddenLine xmlns:a14="http://schemas.microsoft.com/office/drawing/2010/main" w="9525">
-                <a:solidFill>
-                  <a:schemeClr val="tx1"/>
-                </a:solidFill>
-                <a:miter lim="800000"/>
-                <a:headEnd/>
-                <a:tailEnd/>
-              </a14:hiddenLine>
-            </a:ext>
-          </a:extLst>
-        </p:spPr>
-      </p:pic>
-      <p:pic>
-        <p:nvPicPr>
-          <p:cNvPr id="2050" name="Picture 2" descr="Component"/>
-          <p:cNvPicPr>
-            <a:picLocks noChangeAspect="1" noChangeArrowheads="1"/>
-          </p:cNvPicPr>
-          <p:nvPr/>
-        </p:nvPicPr>
-        <p:blipFill>
-          <a:blip r:embed="rId4">
-            <a:extLst>
-              <a:ext uri="{28A0092B-C50C-407E-A947-70E740481C1C}">
-                <a14:useLocalDpi xmlns:a14="http://schemas.microsoft.com/office/drawing/2010/main" val="0"/>
-              </a:ext>
-            </a:extLst>
-          </a:blip>
-          <a:srcRect/>
-          <a:stretch>
-            <a:fillRect/>
-          </a:stretch>
-        </p:blipFill>
-        <p:spPr bwMode="auto">
-          <a:xfrm>
-            <a:off x="4716016" y="4051884"/>
-            <a:ext cx="2736304" cy="2063629"/>
-          </a:xfrm>
-          <a:prstGeom prst="rect">
-            <a:avLst/>
-          </a:prstGeom>
-          <a:noFill/>
-          <a:extLst>
-            <a:ext uri="{909E8E84-426E-40DD-AFC4-6F175D3DCCD1}">
-              <a14:hiddenFill xmlns:a14="http://schemas.microsoft.com/office/drawing/2010/main">
-                <a:solidFill>
-                  <a:srgbClr val="FFFFFF"/>
-                </a:solidFill>
-              </a14:hiddenFill>
-            </a:ext>
-          </a:extLst>
-        </p:spPr>
-      </p:pic>
-    </p:spTree>
-    <p:extLst>
-      <p:ext uri="{BB962C8B-B14F-4D97-AF65-F5344CB8AC3E}">
-        <p14:creationId xmlns:p14="http://schemas.microsoft.com/office/powerpoint/2010/main" val="1583075932"/>
-      </p:ext>
-    </p:extLst>
-  </p:cSld>
-  <p:clrMapOvr>
-    <a:masterClrMapping/>
-  </p:clrMapOvr>
-  <p:timing>
-    <p:tnLst>
-      <p:par>
-        <p:cTn id="1" dur="indefinite" restart="never" nodeType="tmRoot"/>
-      </p:par>
-    </p:tnLst>
-  </p:timing>
-</p:sld>
-</file>
-
 <file path=ppt/slides/slide9.xml><?xml version="1.0" encoding="utf-8"?>
 <p:sld xmlns:a="http://schemas.openxmlformats.org/drawingml/2006/main" xmlns:r="http://schemas.openxmlformats.org/officeDocument/2006/relationships" xmlns:p="http://schemas.openxmlformats.org/presentationml/2006/main">
   <p:cSld>
@@ -6184,7 +5410,7 @@
           <a:p>
             <a:r>
               <a:rPr lang="fr-FR" dirty="0" smtClean="0"/>
-              <a:t>Rendu du main</a:t>
+              <a:t>Directive</a:t>
             </a:r>
             <a:endParaRPr lang="fr-FR" dirty="0"/>
           </a:p>
@@ -6206,76 +5432,117 @@
           <a:lstStyle/>
           <a:p>
             <a:r>
+              <a:rPr lang="fr-FR" dirty="0" smtClean="0"/>
+              <a:t>Le composant a créé une directive</a:t>
+            </a:r>
+          </a:p>
+          <a:p>
+            <a:r>
+              <a:rPr lang="fr-FR" dirty="0" smtClean="0"/>
+              <a:t>&lt;</a:t>
+            </a:r>
+            <a:r>
               <a:rPr lang="fr-FR" dirty="0" err="1" smtClean="0"/>
-              <a:t>BrowserModule</a:t>
-            </a:r>
-            <a:endParaRPr lang="fr-FR" dirty="0" smtClean="0"/>
+              <a:t>app-nomducomposant</a:t>
+            </a:r>
+            <a:r>
+              <a:rPr lang="fr-FR" dirty="0" smtClean="0"/>
+              <a:t>&gt;&lt;/</a:t>
+            </a:r>
+            <a:r>
+              <a:rPr lang="fr-FR" dirty="0" err="1" smtClean="0"/>
+              <a:t>app-nomducomposant</a:t>
+            </a:r>
+            <a:r>
+              <a:rPr lang="fr-FR" dirty="0" smtClean="0"/>
+              <a:t>&gt;</a:t>
+            </a:r>
           </a:p>
           <a:p>
             <a:pPr lvl="1"/>
             <a:r>
               <a:rPr lang="fr-FR" dirty="0" smtClean="0"/>
-              <a:t>Obligatoire pour les sites Web</a:t>
-            </a:r>
-          </a:p>
-          <a:p>
+              <a:t>Permet d’inclure le composant dans un autre composant</a:t>
+            </a:r>
+          </a:p>
+          <a:p>
+            <a:pPr lvl="1"/>
+            <a:r>
+              <a:rPr lang="fr-FR" dirty="0" smtClean="0"/>
+              <a:t>Ecriture XML simplifiée déconseillée</a:t>
+            </a:r>
+          </a:p>
+          <a:p>
+            <a:pPr lvl="2"/>
+            <a:r>
+              <a:rPr lang="fr-FR" dirty="0" smtClean="0"/>
+              <a:t>&lt;</a:t>
+            </a:r>
             <a:r>
               <a:rPr lang="fr-FR" dirty="0" err="1" smtClean="0"/>
-              <a:t>platformBrowserDynammic</a:t>
-            </a:r>
-            <a:endParaRPr lang="fr-FR" dirty="0" smtClean="0"/>
+              <a:t>app-nomducomposant</a:t>
+            </a:r>
+            <a:r>
+              <a:rPr lang="fr-FR" dirty="0" smtClean="0"/>
+              <a:t>/&gt;</a:t>
+            </a:r>
+          </a:p>
+          <a:p>
+            <a:r>
+              <a:rPr lang="fr-FR" dirty="0" smtClean="0"/>
+              <a:t>Par exemple</a:t>
+            </a:r>
           </a:p>
           <a:p>
             <a:pPr lvl="1"/>
             <a:r>
               <a:rPr lang="fr-FR" dirty="0" smtClean="0"/>
-              <a:t>Rendu du site</a:t>
+              <a:t>Dans app.component.html ajouter</a:t>
             </a:r>
           </a:p>
           <a:p>
             <a:pPr lvl="1"/>
             <a:r>
               <a:rPr lang="fr-FR" dirty="0" smtClean="0"/>
-              <a:t>Démarre l’application</a:t>
+              <a:t>&lt;</a:t>
+            </a:r>
+            <a:r>
+              <a:rPr lang="fr-FR" dirty="0" err="1" smtClean="0"/>
+              <a:t>app-heroes</a:t>
+            </a:r>
+            <a:r>
+              <a:rPr lang="fr-FR" dirty="0" smtClean="0"/>
+              <a:t>&gt;&lt;/</a:t>
+            </a:r>
+            <a:r>
+              <a:rPr lang="fr-FR" dirty="0" err="1" smtClean="0"/>
+              <a:t>app-heroes</a:t>
+            </a:r>
+            <a:r>
+              <a:rPr lang="fr-FR" dirty="0" smtClean="0"/>
+              <a:t>&gt;</a:t>
             </a:r>
             <a:endParaRPr lang="fr-FR" dirty="0"/>
           </a:p>
         </p:txBody>
       </p:sp>
-      <p:pic>
-        <p:nvPicPr>
-          <p:cNvPr id="4" name="Image 3"/>
-          <p:cNvPicPr>
-            <a:picLocks noChangeAspect="1"/>
-          </p:cNvPicPr>
-          <p:nvPr/>
-        </p:nvPicPr>
-        <p:blipFill>
-          <a:blip r:embed="rId2"/>
-          <a:stretch>
-            <a:fillRect/>
-          </a:stretch>
-        </p:blipFill>
-        <p:spPr>
-          <a:xfrm>
-            <a:off x="179512" y="4260131"/>
-            <a:ext cx="8420067" cy="2193205"/>
-          </a:xfrm>
-          <a:prstGeom prst="rect">
-            <a:avLst/>
-          </a:prstGeom>
-        </p:spPr>
-      </p:pic>
     </p:spTree>
     <p:extLst>
       <p:ext uri="{BB962C8B-B14F-4D97-AF65-F5344CB8AC3E}">
-        <p14:creationId xmlns:p14="http://schemas.microsoft.com/office/powerpoint/2010/main" val="3144648351"/>
+        <p14:creationId xmlns:p14="http://schemas.microsoft.com/office/powerpoint/2010/main" val="1632183245"/>
       </p:ext>
     </p:extLst>
   </p:cSld>
   <p:clrMapOvr>
     <a:masterClrMapping/>
   </p:clrMapOvr>
+  <p:timing>
+    <p:tnLst>
+      <p:par>
+        <p:cTn id="1" dur="indefinite" restart="never" nodeType="tmRoot"/>
+      </p:par>
+    </p:tnLst>
+  </p:timing>
 </p:sld>
 </file>
 

--- a/PPT/Angular04-SimpleComponents.pptx
+++ b/PPT/Angular04-SimpleComponents.pptx
@@ -4567,8 +4567,8 @@
               <a:t> et les </a:t>
             </a:r>
             <a:r>
-              <a:rPr lang="fr-FR" dirty="0" err="1" smtClean="0"/>
-              <a:t>descandants</a:t>
+              <a:rPr lang="fr-FR" dirty="0" smtClean="0"/>
+              <a:t>descendants</a:t>
             </a:r>
             <a:endParaRPr lang="fr-FR" dirty="0"/>
           </a:p>
@@ -5114,8 +5114,8 @@
               <a:t>app</a:t>
             </a:r>
             <a:r>
-              <a:rPr lang="fr-FR" dirty="0" err="1" smtClean="0"/>
-              <a:t>-nomducomposant</a:t>
+              <a:rPr lang="fr-FR" dirty="0" smtClean="0"/>
+              <a:t>-nom-du-composant</a:t>
             </a:r>
             <a:endParaRPr lang="fr-FR" dirty="0" smtClean="0"/>
           </a:p>

--- a/PPT/Angular04-SimpleComponents.pptx
+++ b/PPT/Angular04-SimpleComponents.pptx
@@ -4012,8 +4012,16 @@
           </a:p>
           <a:p>
             <a:r>
+              <a:rPr lang="fr-FR" smtClean="0"/>
+              <a:t>Directement </a:t>
+            </a:r>
+            <a:r>
+              <a:rPr lang="fr-FR" smtClean="0"/>
+              <a:t>mise </a:t>
+            </a:r>
+            <a:r>
               <a:rPr lang="fr-FR" dirty="0" smtClean="0"/>
-              <a:t>Directement lise dans </a:t>
+              <a:t>dans </a:t>
             </a:r>
             <a:r>
               <a:rPr lang="fr-FR" dirty="0" err="1" smtClean="0"/>
@@ -4564,11 +4572,7 @@
             </a:r>
             <a:r>
               <a:rPr lang="fr-FR" dirty="0" smtClean="0"/>
-              <a:t> et les </a:t>
-            </a:r>
-            <a:r>
-              <a:rPr lang="fr-FR" dirty="0" smtClean="0"/>
-              <a:t>descendants</a:t>
+              <a:t> et les descendants</a:t>
             </a:r>
             <a:endParaRPr lang="fr-FR" dirty="0"/>
           </a:p>
@@ -5117,7 +5121,6 @@
               <a:rPr lang="fr-FR" dirty="0" smtClean="0"/>
               <a:t>-nom-du-composant</a:t>
             </a:r>
-            <a:endParaRPr lang="fr-FR" dirty="0" smtClean="0"/>
           </a:p>
           <a:p>
             <a:r>
